--- a/PROPOSTA/Apresentação Proposta - Central Cond.pptx
+++ b/PROPOSTA/Apresentação Proposta - Central Cond.pptx
@@ -5,10 +5,10 @@
     <p:sldMasterId id="2147483660" r:id="rId1"/>
   </p:sldMasterIdLst>
   <p:notesMasterIdLst>
-    <p:notesMasterId r:id="rId27"/>
+    <p:notesMasterId r:id="rId25"/>
   </p:notesMasterIdLst>
   <p:handoutMasterIdLst>
-    <p:handoutMasterId r:id="rId28"/>
+    <p:handoutMasterId r:id="rId26"/>
   </p:handoutMasterIdLst>
   <p:sldIdLst>
     <p:sldId id="256" r:id="rId2"/>
@@ -20,22 +20,20 @@
     <p:sldId id="470" r:id="rId8"/>
     <p:sldId id="469" r:id="rId9"/>
     <p:sldId id="459" r:id="rId10"/>
-    <p:sldId id="471" r:id="rId11"/>
-    <p:sldId id="472" r:id="rId12"/>
-    <p:sldId id="460" r:id="rId13"/>
-    <p:sldId id="464" r:id="rId14"/>
-    <p:sldId id="473" r:id="rId15"/>
-    <p:sldId id="461" r:id="rId16"/>
-    <p:sldId id="465" r:id="rId17"/>
-    <p:sldId id="474" r:id="rId18"/>
-    <p:sldId id="475" r:id="rId19"/>
-    <p:sldId id="476" r:id="rId20"/>
-    <p:sldId id="462" r:id="rId21"/>
-    <p:sldId id="466" r:id="rId22"/>
-    <p:sldId id="477" r:id="rId23"/>
-    <p:sldId id="463" r:id="rId24"/>
-    <p:sldId id="467" r:id="rId25"/>
-    <p:sldId id="340" r:id="rId26"/>
+    <p:sldId id="472" r:id="rId11"/>
+    <p:sldId id="460" r:id="rId12"/>
+    <p:sldId id="464" r:id="rId13"/>
+    <p:sldId id="473" r:id="rId14"/>
+    <p:sldId id="461" r:id="rId15"/>
+    <p:sldId id="465" r:id="rId16"/>
+    <p:sldId id="474" r:id="rId17"/>
+    <p:sldId id="475" r:id="rId18"/>
+    <p:sldId id="476" r:id="rId19"/>
+    <p:sldId id="462" r:id="rId20"/>
+    <p:sldId id="466" r:id="rId21"/>
+    <p:sldId id="463" r:id="rId22"/>
+    <p:sldId id="467" r:id="rId23"/>
+    <p:sldId id="340" r:id="rId24"/>
   </p:sldIdLst>
   <p:sldSz cx="9144000" cy="6858000" type="screen4x3"/>
   <p:notesSz cx="6858000" cy="9144000"/>
@@ -2424,61 +2422,29 @@
         </p:nvSpPr>
         <p:spPr/>
         <p:txBody>
-          <a:bodyPr>
-            <a:normAutofit/>
-          </a:bodyPr>
-          <a:lstStyle/>
-          <a:p>
-            <a:r>
-              <a:rPr lang="pt-BR" dirty="0">
-                <a:solidFill>
-                  <a:schemeClr val="bg2">
-                    <a:lumMod val="10000"/>
-                  </a:schemeClr>
-                </a:solidFill>
-              </a:rPr>
-              <a:t>RF08 - </a:t>
-            </a:r>
-            <a:r>
-              <a:rPr lang="pt-BR" dirty="0">
-                <a:solidFill>
-                  <a:schemeClr val="bg2">
-                    <a:lumMod val="10000"/>
-                  </a:schemeClr>
-                </a:solidFill>
-              </a:rPr>
-              <a:t>O sistema deve manter o cadastro de obras e melhorias</a:t>
-            </a:r>
-            <a:r>
-              <a:rPr lang="pt-BR" dirty="0">
-                <a:solidFill>
-                  <a:schemeClr val="bg2">
-                    <a:lumMod val="10000"/>
-                  </a:schemeClr>
-                </a:solidFill>
-              </a:rPr>
-              <a:t>.</a:t>
+          <a:bodyPr/>
+          <a:lstStyle/>
+          <a:p>
+            <a:r>
+              <a:rPr lang="pt-BR" dirty="0"/>
+              <a:t>RF06 - O sistema deve realizar o controle de </a:t>
+            </a:r>
+            <a:r>
+              <a:rPr lang="pt-BR" dirty="0" smtClean="0"/>
+              <a:t>visitantes.</a:t>
             </a:r>
           </a:p>
           <a:p>
             <a:pPr lvl="1"/>
-            <a:r>
-              <a:rPr lang="pt-BR" sz="3200" dirty="0">
-                <a:solidFill>
-                  <a:schemeClr val="bg2">
-                    <a:lumMod val="10000"/>
-                  </a:schemeClr>
-                </a:solidFill>
-              </a:rPr>
-              <a:t>Requisito irá demonstrar qual o andamento das obras/melhorias que o conglomerado de casas/prédios está passando, mostrará também data de início, data prevista de fim e custo total da obra.</a:t>
-            </a:r>
-            <a:endParaRPr lang="pt-BR" sz="3200" dirty="0">
-              <a:solidFill>
-                <a:schemeClr val="bg2">
-                  <a:lumMod val="10000"/>
-                </a:schemeClr>
-              </a:solidFill>
-            </a:endParaRPr>
+            <a:endParaRPr lang="pt-BR" dirty="0" smtClean="0"/>
+          </a:p>
+          <a:p>
+            <a:pPr lvl="1"/>
+            <a:r>
+              <a:rPr lang="pt-BR" dirty="0" smtClean="0"/>
+              <a:t>Controle de Visitantes formal </a:t>
+            </a:r>
+            <a:endParaRPr lang="pt-BR" dirty="0"/>
           </a:p>
         </p:txBody>
       </p:sp>
@@ -2532,13 +2498,20 @@
     </p:spTree>
     <p:extLst>
       <p:ext uri="{BB962C8B-B14F-4D97-AF65-F5344CB8AC3E}">
-        <p14:creationId xmlns:p14="http://schemas.microsoft.com/office/powerpoint/2010/main" val="2535118500"/>
+        <p14:creationId xmlns:p14="http://schemas.microsoft.com/office/powerpoint/2010/main" val="219702149"/>
       </p:ext>
     </p:extLst>
   </p:cSld>
   <p:clrMapOvr>
     <a:masterClrMapping/>
   </p:clrMapOvr>
+  <p:timing>
+    <p:tnLst>
+      <p:par>
+        <p:cTn id="1" dur="indefinite" restart="never" nodeType="tmRoot"/>
+      </p:par>
+    </p:tnLst>
+  </p:timing>
 </p:sld>
 </file>
 
@@ -2561,12 +2534,12 @@
       </p:grpSpPr>
       <p:sp>
         <p:nvSpPr>
-          <p:cNvPr id="2" name="Content Placeholder 1"/>
-          <p:cNvSpPr>
-            <a:spLocks noGrp="1"/>
-          </p:cNvSpPr>
-          <p:nvPr>
-            <p:ph idx="1"/>
+          <p:cNvPr id="8" name="Espaço Reservado para Texto 7"/>
+          <p:cNvSpPr>
+            <a:spLocks noGrp="1"/>
+          </p:cNvSpPr>
+          <p:nvPr>
+            <p:ph type="body" idx="1"/>
           </p:nvPr>
         </p:nvSpPr>
         <p:spPr/>
@@ -2575,81 +2548,120 @@
           <a:lstStyle/>
           <a:p>
             <a:r>
-              <a:rPr lang="pt-BR" dirty="0"/>
-              <a:t>RF06 - O sistema deve realizar o controle de </a:t>
-            </a:r>
-            <a:r>
-              <a:rPr lang="pt-BR" dirty="0" smtClean="0"/>
-              <a:t>visitantes.</a:t>
-            </a:r>
-          </a:p>
-          <a:p>
-            <a:pPr lvl="1"/>
-            <a:r>
-              <a:rPr lang="pt-BR" dirty="0" smtClean="0"/>
-              <a:t>Esse requisito será usado pelo pessoal de segurança, no qual por meio de conferência de documentos e confirmação com o morador irá permitir ou não a entrada do visitante.</a:t>
+              <a:rPr lang="pt-BR" dirty="0" smtClean="0"/>
+              <a:t>Apresentação Banca de Proposta</a:t>
+            </a:r>
+          </a:p>
+        </p:txBody>
+      </p:sp>
+      <p:sp>
+        <p:nvSpPr>
+          <p:cNvPr id="9" name="Espaço Reservado para Texto 8"/>
+          <p:cNvSpPr>
+            <a:spLocks noGrp="1"/>
+          </p:cNvSpPr>
+          <p:nvPr>
+            <p:ph type="body" sz="quarter" idx="13"/>
+          </p:nvPr>
+        </p:nvSpPr>
+        <p:spPr>
+          <a:xfrm>
+            <a:off x="571472" y="2643182"/>
+            <a:ext cx="8280920" cy="4214818"/>
+          </a:xfrm>
+        </p:spPr>
+        <p:txBody>
+          <a:bodyPr>
+            <a:normAutofit/>
+          </a:bodyPr>
+          <a:lstStyle/>
+          <a:p>
+            <a:r>
+              <a:rPr lang="pt-BR" b="1" dirty="0" smtClean="0"/>
+              <a:t>Escopo do Projeto</a:t>
+            </a:r>
+          </a:p>
+          <a:p>
+            <a:r>
+              <a:rPr lang="pt-BR" b="1" dirty="0" smtClean="0"/>
+              <a:t>Macro Fluxo do Negócio</a:t>
+            </a:r>
+          </a:p>
+          <a:p>
+            <a:r>
+              <a:rPr lang="pt-BR" b="1" dirty="0" smtClean="0"/>
+              <a:t>Requisitos Funcionais</a:t>
+            </a:r>
+          </a:p>
+          <a:p>
+            <a:r>
+              <a:rPr lang="pt-BR" b="1" dirty="0" smtClean="0">
+                <a:solidFill>
+                  <a:schemeClr val="accent3">
+                    <a:lumMod val="50000"/>
+                  </a:schemeClr>
+                </a:solidFill>
+              </a:rPr>
+              <a:t>Requisitos Não Funcionais</a:t>
+            </a:r>
+          </a:p>
+          <a:p>
+            <a:r>
+              <a:rPr lang="pt-BR" b="1" dirty="0" smtClean="0"/>
+              <a:t>Análise de Mercado</a:t>
+            </a:r>
+          </a:p>
+          <a:p>
+            <a:r>
+              <a:rPr lang="pt-BR" b="1" dirty="0" smtClean="0"/>
+              <a:t>Vantagens competitivas</a:t>
+            </a:r>
+          </a:p>
+          <a:p>
+            <a:r>
+              <a:rPr lang="pt-BR" b="1" dirty="0" smtClean="0"/>
+              <a:t>Modelo de Dados Conceitual</a:t>
+            </a:r>
+          </a:p>
+        </p:txBody>
+      </p:sp>
+      <p:sp>
+        <p:nvSpPr>
+          <p:cNvPr id="7" name="Título 6"/>
+          <p:cNvSpPr>
+            <a:spLocks noGrp="1"/>
+          </p:cNvSpPr>
+          <p:nvPr>
+            <p:ph type="title"/>
+          </p:nvPr>
+        </p:nvSpPr>
+        <p:spPr/>
+        <p:txBody>
+          <a:bodyPr>
+            <a:normAutofit/>
+          </a:bodyPr>
+          <a:lstStyle/>
+          <a:p>
+            <a:r>
+              <a:rPr lang="pt-BR" dirty="0" smtClean="0"/>
+              <a:t>Agenda</a:t>
             </a:r>
             <a:endParaRPr lang="pt-BR" dirty="0"/>
           </a:p>
         </p:txBody>
       </p:sp>
-      <p:sp>
-        <p:nvSpPr>
-          <p:cNvPr id="3" name="Slide Number Placeholder 2"/>
-          <p:cNvSpPr>
-            <a:spLocks noGrp="1"/>
-          </p:cNvSpPr>
-          <p:nvPr>
-            <p:ph type="sldNum" sz="quarter" idx="12"/>
-          </p:nvPr>
-        </p:nvSpPr>
-        <p:spPr/>
-        <p:txBody>
-          <a:bodyPr/>
-          <a:lstStyle/>
-          <a:p>
-            <a:fld id="{031FACD5-5EC0-4CE0-9156-9F2704C0507A}" type="slidenum">
-              <a:rPr lang="pt-BR" smtClean="0"/>
-              <a:pPr/>
-              <a:t>11</a:t>
-            </a:fld>
-            <a:endParaRPr lang="pt-BR"/>
-          </a:p>
-        </p:txBody>
-      </p:sp>
-      <p:sp>
-        <p:nvSpPr>
-          <p:cNvPr id="4" name="Title 3"/>
-          <p:cNvSpPr>
-            <a:spLocks noGrp="1"/>
-          </p:cNvSpPr>
-          <p:nvPr>
-            <p:ph type="title"/>
-          </p:nvPr>
-        </p:nvSpPr>
-        <p:spPr/>
-        <p:txBody>
-          <a:bodyPr/>
-          <a:lstStyle/>
-          <a:p>
-            <a:r>
-              <a:rPr lang="pt-BR" dirty="0" smtClean="0"/>
-              <a:t>Requisitos Funcionais</a:t>
-            </a:r>
-            <a:endParaRPr lang="pt-BR" dirty="0"/>
-          </a:p>
-        </p:txBody>
-      </p:sp>
     </p:spTree>
-    <p:extLst>
-      <p:ext uri="{BB962C8B-B14F-4D97-AF65-F5344CB8AC3E}">
-        <p14:creationId xmlns:p14="http://schemas.microsoft.com/office/powerpoint/2010/main" val="219702149"/>
-      </p:ext>
-    </p:extLst>
   </p:cSld>
   <p:clrMapOvr>
     <a:masterClrMapping/>
   </p:clrMapOvr>
+  <p:timing>
+    <p:tnLst>
+      <p:par>
+        <p:cTn id="1" dur="indefinite" restart="never" nodeType="tmRoot"/>
+      </p:par>
+    </p:tnLst>
+  </p:timing>
 </p:sld>
 </file>
 
@@ -2672,119 +2684,125 @@
       </p:grpSpPr>
       <p:sp>
         <p:nvSpPr>
-          <p:cNvPr id="8" name="Espaço Reservado para Texto 7"/>
-          <p:cNvSpPr>
-            <a:spLocks noGrp="1"/>
-          </p:cNvSpPr>
-          <p:nvPr>
-            <p:ph type="body" idx="1"/>
+          <p:cNvPr id="45061" name="Espaço Reservado para Conteúdo 10"/>
+          <p:cNvSpPr>
+            <a:spLocks noGrp="1"/>
+          </p:cNvSpPr>
+          <p:nvPr>
+            <p:ph idx="1"/>
           </p:nvPr>
         </p:nvSpPr>
         <p:spPr/>
         <p:txBody>
-          <a:bodyPr/>
-          <a:lstStyle/>
-          <a:p>
-            <a:r>
-              <a:rPr lang="pt-BR" dirty="0" smtClean="0"/>
-              <a:t>Apresentação Banca de Proposta</a:t>
-            </a:r>
-          </a:p>
-        </p:txBody>
-      </p:sp>
-      <p:sp>
-        <p:nvSpPr>
-          <p:cNvPr id="9" name="Espaço Reservado para Texto 8"/>
-          <p:cNvSpPr>
-            <a:spLocks noGrp="1"/>
-          </p:cNvSpPr>
-          <p:nvPr>
-            <p:ph type="body" sz="quarter" idx="13"/>
-          </p:nvPr>
-        </p:nvSpPr>
-        <p:spPr>
-          <a:xfrm>
-            <a:off x="571472" y="2643182"/>
-            <a:ext cx="8280920" cy="4214818"/>
-          </a:xfrm>
-        </p:spPr>
+          <a:bodyPr>
+            <a:noAutofit/>
+          </a:bodyPr>
+          <a:lstStyle/>
+          <a:p>
+            <a:r>
+              <a:rPr lang="pt-BR" dirty="0"/>
+              <a:t>RNF01 - O sistema deve possuir versão mobile (aplicativo).</a:t>
+            </a:r>
+          </a:p>
+          <a:p>
+            <a:pPr lvl="1"/>
+            <a:endParaRPr lang="pt-BR" dirty="0" smtClean="0">
+              <a:solidFill>
+                <a:schemeClr val="bg2">
+                  <a:lumMod val="10000"/>
+                </a:schemeClr>
+              </a:solidFill>
+            </a:endParaRPr>
+          </a:p>
+          <a:p>
+            <a:pPr lvl="1"/>
+            <a:r>
+              <a:rPr lang="pt-BR" dirty="0"/>
+              <a:t>Reserva de áreas comuns </a:t>
+            </a:r>
+          </a:p>
+          <a:p>
+            <a:pPr lvl="1"/>
+            <a:r>
+              <a:rPr lang="pt-BR" dirty="0"/>
+              <a:t>Postagens no mural do condôminio</a:t>
+            </a:r>
+          </a:p>
+        </p:txBody>
+      </p:sp>
+      <p:sp>
+        <p:nvSpPr>
+          <p:cNvPr id="2" name="Título 1"/>
+          <p:cNvSpPr>
+            <a:spLocks noGrp="1"/>
+          </p:cNvSpPr>
+          <p:nvPr>
+            <p:ph type="title"/>
+          </p:nvPr>
+        </p:nvSpPr>
+        <p:spPr/>
         <p:txBody>
           <a:bodyPr>
             <a:normAutofit/>
           </a:bodyPr>
           <a:lstStyle/>
           <a:p>
-            <a:r>
-              <a:rPr lang="pt-BR" b="1" dirty="0" smtClean="0"/>
-              <a:t>Escopo do Projeto</a:t>
-            </a:r>
-          </a:p>
-          <a:p>
-            <a:r>
-              <a:rPr lang="pt-BR" b="1" dirty="0" smtClean="0"/>
-              <a:t>Macro Fluxo do Negócio</a:t>
-            </a:r>
-          </a:p>
-          <a:p>
-            <a:r>
-              <a:rPr lang="pt-BR" b="1" dirty="0" smtClean="0"/>
-              <a:t>Requisitos Funcionais</a:t>
-            </a:r>
-          </a:p>
-          <a:p>
-            <a:r>
-              <a:rPr lang="pt-BR" b="1" dirty="0" smtClean="0">
+            <a:pPr>
+              <a:defRPr/>
+            </a:pPr>
+            <a:r>
+              <a:rPr lang="pt-BR" dirty="0" smtClean="0"/>
+              <a:t>Requisitos Não Funcionais</a:t>
+            </a:r>
+            <a:endParaRPr lang="pt-BR" dirty="0"/>
+          </a:p>
+        </p:txBody>
+      </p:sp>
+      <p:sp>
+        <p:nvSpPr>
+          <p:cNvPr id="19459" name="Espaço Reservado para Número de Slide 5"/>
+          <p:cNvSpPr txBox="1">
+            <a:spLocks noGrp="1"/>
+          </p:cNvSpPr>
+          <p:nvPr/>
+        </p:nvSpPr>
+        <p:spPr bwMode="auto">
+          <a:xfrm>
+            <a:off x="8204200" y="6643688"/>
+            <a:ext cx="796925" cy="179387"/>
+          </a:xfrm>
+          <a:prstGeom prst="rect">
+            <a:avLst/>
+          </a:prstGeom>
+          <a:noFill/>
+          <a:ln w="9525">
+            <a:noFill/>
+            <a:miter lim="800000"/>
+            <a:headEnd/>
+            <a:tailEnd/>
+          </a:ln>
+        </p:spPr>
+        <p:txBody>
+          <a:bodyPr bIns="0" anchor="b"/>
+          <a:lstStyle/>
+          <a:p>
+            <a:pPr algn="r"/>
+            <a:fld id="{0C91674F-D3B1-4E28-AF80-6550D6D5E435}" type="slidenum">
+              <a:rPr lang="pt-BR" sz="1200" b="1">
                 <a:solidFill>
-                  <a:schemeClr val="accent3">
-                    <a:lumMod val="50000"/>
-                  </a:schemeClr>
+                  <a:schemeClr val="bg1"/>
                 </a:solidFill>
+                <a:latin typeface="Corbel" pitchFamily="34" charset="0"/>
               </a:rPr>
-              <a:t>Requisitos Não Funcionais</a:t>
-            </a:r>
-          </a:p>
-          <a:p>
-            <a:r>
-              <a:rPr lang="pt-BR" b="1" dirty="0" smtClean="0"/>
-              <a:t>Análise de Mercado</a:t>
-            </a:r>
-          </a:p>
-          <a:p>
-            <a:r>
-              <a:rPr lang="pt-BR" b="1" dirty="0" smtClean="0"/>
-              <a:t>Vantagens competitivas</a:t>
-            </a:r>
-          </a:p>
-          <a:p>
-            <a:r>
-              <a:rPr lang="pt-BR" b="1" dirty="0" smtClean="0"/>
-              <a:t>Modelo de Dados Conceitual</a:t>
-            </a:r>
-          </a:p>
-        </p:txBody>
-      </p:sp>
-      <p:sp>
-        <p:nvSpPr>
-          <p:cNvPr id="7" name="Título 6"/>
-          <p:cNvSpPr>
-            <a:spLocks noGrp="1"/>
-          </p:cNvSpPr>
-          <p:nvPr>
-            <p:ph type="title"/>
-          </p:nvPr>
-        </p:nvSpPr>
-        <p:spPr/>
-        <p:txBody>
-          <a:bodyPr>
-            <a:normAutofit/>
-          </a:bodyPr>
-          <a:lstStyle/>
-          <a:p>
-            <a:r>
-              <a:rPr lang="pt-BR" dirty="0" smtClean="0"/>
-              <a:t>Agenda</a:t>
-            </a:r>
-            <a:endParaRPr lang="pt-BR" dirty="0"/>
+              <a:pPr algn="r"/>
+              <a:t>12</a:t>
+            </a:fld>
+            <a:endParaRPr lang="pt-BR" sz="1200" b="1" dirty="0">
+              <a:solidFill>
+                <a:schemeClr val="bg1"/>
+              </a:solidFill>
+              <a:latin typeface="Corbel" pitchFamily="34" charset="0"/>
+            </a:endParaRPr>
           </a:p>
         </p:txBody>
       </p:sp>
@@ -2793,6 +2811,7 @@
   <p:clrMapOvr>
     <a:masterClrMapping/>
   </p:clrMapOvr>
+  <p:transition/>
   <p:timing>
     <p:tnLst>
       <p:par>
@@ -2822,82 +2841,12 @@
       </p:grpSpPr>
       <p:sp>
         <p:nvSpPr>
-          <p:cNvPr id="45061" name="Espaço Reservado para Conteúdo 10"/>
+          <p:cNvPr id="2" name="Content Placeholder 1"/>
           <p:cNvSpPr>
             <a:spLocks noGrp="1"/>
           </p:cNvSpPr>
           <p:nvPr>
             <p:ph idx="1"/>
-          </p:nvPr>
-        </p:nvSpPr>
-        <p:spPr/>
-        <p:txBody>
-          <a:bodyPr>
-            <a:noAutofit/>
-          </a:bodyPr>
-          <a:lstStyle/>
-          <a:p>
-            <a:r>
-              <a:rPr lang="pt-BR" dirty="0" smtClean="0">
-                <a:solidFill>
-                  <a:schemeClr val="bg2">
-                    <a:lumMod val="10000"/>
-                  </a:schemeClr>
-                </a:solidFill>
-              </a:rPr>
-              <a:t>RNF01 - </a:t>
-            </a:r>
-            <a:r>
-              <a:rPr lang="pt-BR" dirty="0">
-                <a:solidFill>
-                  <a:schemeClr val="bg2">
-                    <a:lumMod val="10000"/>
-                  </a:schemeClr>
-                </a:solidFill>
-              </a:rPr>
-              <a:t>O sistema deve possuir versão mobile (aplicativo</a:t>
-            </a:r>
-            <a:r>
-              <a:rPr lang="pt-BR" dirty="0" smtClean="0">
-                <a:solidFill>
-                  <a:schemeClr val="bg2">
-                    <a:lumMod val="10000"/>
-                  </a:schemeClr>
-                </a:solidFill>
-              </a:rPr>
-              <a:t>).</a:t>
-            </a:r>
-          </a:p>
-          <a:p>
-            <a:pPr lvl="1"/>
-            <a:r>
-              <a:rPr lang="pt-BR" dirty="0" smtClean="0">
-                <a:solidFill>
-                  <a:schemeClr val="bg2">
-                    <a:lumMod val="10000"/>
-                  </a:schemeClr>
-                </a:solidFill>
-              </a:rPr>
-              <a:t>Nesse aplicativo serão implementadas as funções de reserva de áreas comuns e postagens no mural do condôminio, não serão implementadas outras funções porque a maioria delas não é prática quando se usando em um aplicativo mobile.</a:t>
-            </a:r>
-            <a:endParaRPr lang="pt-BR" dirty="0">
-              <a:solidFill>
-                <a:schemeClr val="bg2">
-                  <a:lumMod val="10000"/>
-                </a:schemeClr>
-              </a:solidFill>
-            </a:endParaRPr>
-          </a:p>
-        </p:txBody>
-      </p:sp>
-      <p:sp>
-        <p:nvSpPr>
-          <p:cNvPr id="2" name="Título 1"/>
-          <p:cNvSpPr>
-            <a:spLocks noGrp="1"/>
-          </p:cNvSpPr>
-          <p:nvPr>
-            <p:ph type="title"/>
           </p:nvPr>
         </p:nvSpPr>
         <p:spPr/>
@@ -2907,71 +2856,130 @@
           </a:bodyPr>
           <a:lstStyle/>
           <a:p>
-            <a:pPr>
-              <a:defRPr/>
+            <a:r>
+              <a:rPr lang="pt-BR" dirty="0"/>
+              <a:t>RNF02 - O website irá ser desenvolvido em </a:t>
+            </a:r>
+            <a:r>
+              <a:rPr lang="pt-BR" dirty="0" smtClean="0"/>
+              <a:t>PHP+MySql.</a:t>
+            </a:r>
+          </a:p>
+          <a:p>
+            <a:pPr lvl="1"/>
+            <a:endParaRPr lang="pt-BR" dirty="0" smtClean="0"/>
+          </a:p>
+          <a:p>
+            <a:pPr lvl="1"/>
+            <a:r>
+              <a:rPr lang="pt-BR" dirty="0" smtClean="0"/>
+              <a:t>PHP </a:t>
+            </a:r>
+          </a:p>
+          <a:p>
+            <a:pPr lvl="2"/>
+            <a:r>
+              <a:rPr lang="pt-BR" dirty="0" smtClean="0"/>
+              <a:t>porque possui grande comunidade</a:t>
+            </a:r>
+          </a:p>
+          <a:p>
+            <a:pPr lvl="2"/>
+            <a:r>
+              <a:rPr lang="pt-BR" dirty="0" smtClean="0"/>
+              <a:t>hospedado a um custo baixo</a:t>
+            </a:r>
+          </a:p>
+          <a:p>
+            <a:pPr lvl="1"/>
+            <a:r>
+              <a:rPr lang="pt-BR" dirty="0" smtClean="0"/>
+              <a:t>MySql </a:t>
+            </a:r>
+            <a:endParaRPr lang="pt-BR" dirty="0"/>
+          </a:p>
+          <a:p>
+            <a:pPr lvl="2"/>
+            <a:r>
+              <a:rPr lang="pt-BR" dirty="0" smtClean="0"/>
+              <a:t>baixo custo de hospedagem</a:t>
+            </a:r>
+          </a:p>
+          <a:p>
+            <a:pPr lvl="2"/>
+            <a:r>
+              <a:rPr lang="pt-BR" dirty="0" smtClean="0"/>
+              <a:t>Boa “interface” com PHP</a:t>
+            </a:r>
+          </a:p>
+          <a:p>
+            <a:pPr marL="768096" lvl="2" indent="0">
+              <a:buNone/>
             </a:pPr>
-            <a:r>
-              <a:rPr lang="pt-BR" dirty="0" smtClean="0"/>
-              <a:t>Requisitos Não Funcionais</a:t>
-            </a:r>
+            <a:endParaRPr lang="pt-BR" dirty="0" smtClean="0"/>
+          </a:p>
+          <a:p>
+            <a:pPr lvl="1"/>
             <a:endParaRPr lang="pt-BR" dirty="0"/>
           </a:p>
         </p:txBody>
       </p:sp>
       <p:sp>
         <p:nvSpPr>
-          <p:cNvPr id="19459" name="Espaço Reservado para Número de Slide 5"/>
-          <p:cNvSpPr txBox="1">
-            <a:spLocks noGrp="1"/>
-          </p:cNvSpPr>
-          <p:nvPr/>
-        </p:nvSpPr>
-        <p:spPr bwMode="auto">
-          <a:xfrm>
-            <a:off x="8204200" y="6643688"/>
-            <a:ext cx="796925" cy="179387"/>
-          </a:xfrm>
-          <a:prstGeom prst="rect">
-            <a:avLst/>
-          </a:prstGeom>
-          <a:noFill/>
-          <a:ln w="9525">
-            <a:noFill/>
-            <a:miter lim="800000"/>
-            <a:headEnd/>
-            <a:tailEnd/>
-          </a:ln>
-        </p:spPr>
-        <p:txBody>
-          <a:bodyPr bIns="0" anchor="b"/>
-          <a:lstStyle/>
-          <a:p>
-            <a:pPr algn="r"/>
-            <a:fld id="{0C91674F-D3B1-4E28-AF80-6550D6D5E435}" type="slidenum">
-              <a:rPr lang="pt-BR" sz="1200" b="1">
-                <a:solidFill>
-                  <a:schemeClr val="bg1"/>
-                </a:solidFill>
-                <a:latin typeface="Corbel" pitchFamily="34" charset="0"/>
-              </a:rPr>
-              <a:pPr algn="r"/>
+          <p:cNvPr id="3" name="Slide Number Placeholder 2"/>
+          <p:cNvSpPr>
+            <a:spLocks noGrp="1"/>
+          </p:cNvSpPr>
+          <p:nvPr>
+            <p:ph type="sldNum" sz="quarter" idx="12"/>
+          </p:nvPr>
+        </p:nvSpPr>
+        <p:spPr/>
+        <p:txBody>
+          <a:bodyPr/>
+          <a:lstStyle/>
+          <a:p>
+            <a:fld id="{031FACD5-5EC0-4CE0-9156-9F2704C0507A}" type="slidenum">
+              <a:rPr lang="pt-BR" smtClean="0"/>
+              <a:pPr/>
               <a:t>13</a:t>
             </a:fld>
-            <a:endParaRPr lang="pt-BR" sz="1200" b="1" dirty="0">
-              <a:solidFill>
-                <a:schemeClr val="bg1"/>
-              </a:solidFill>
-              <a:latin typeface="Corbel" pitchFamily="34" charset="0"/>
-            </a:endParaRPr>
+            <a:endParaRPr lang="pt-BR"/>
+          </a:p>
+        </p:txBody>
+      </p:sp>
+      <p:sp>
+        <p:nvSpPr>
+          <p:cNvPr id="4" name="Title 3"/>
+          <p:cNvSpPr>
+            <a:spLocks noGrp="1"/>
+          </p:cNvSpPr>
+          <p:nvPr>
+            <p:ph type="title"/>
+          </p:nvPr>
+        </p:nvSpPr>
+        <p:spPr/>
+        <p:txBody>
+          <a:bodyPr/>
+          <a:lstStyle/>
+          <a:p>
+            <a:r>
+              <a:rPr lang="pt-BR" dirty="0"/>
+              <a:t>Requisitos Não Funcionais</a:t>
+            </a:r>
           </a:p>
         </p:txBody>
       </p:sp>
     </p:spTree>
+    <p:extLst>
+      <p:ext uri="{BB962C8B-B14F-4D97-AF65-F5344CB8AC3E}">
+        <p14:creationId xmlns:p14="http://schemas.microsoft.com/office/powerpoint/2010/main" val="3588907168"/>
+      </p:ext>
+    </p:extLst>
   </p:cSld>
   <p:clrMapOvr>
     <a:masterClrMapping/>
   </p:clrMapOvr>
-  <p:transition/>
   <p:timing>
     <p:tnLst>
       <p:par>
@@ -3001,12 +3009,12 @@
       </p:grpSpPr>
       <p:sp>
         <p:nvSpPr>
-          <p:cNvPr id="2" name="Content Placeholder 1"/>
-          <p:cNvSpPr>
-            <a:spLocks noGrp="1"/>
-          </p:cNvSpPr>
-          <p:nvPr>
-            <p:ph idx="1"/>
+          <p:cNvPr id="8" name="Espaço Reservado para Texto 7"/>
+          <p:cNvSpPr>
+            <a:spLocks noGrp="1"/>
+          </p:cNvSpPr>
+          <p:nvPr>
+            <p:ph type="body" idx="1"/>
           </p:nvPr>
         </p:nvSpPr>
         <p:spPr/>
@@ -3015,90 +3023,120 @@
           <a:lstStyle/>
           <a:p>
             <a:r>
-              <a:rPr lang="pt-BR" dirty="0"/>
-              <a:t>RNF02 - O website irá ser desenvolvido em </a:t>
-            </a:r>
-            <a:r>
-              <a:rPr lang="pt-BR" dirty="0" smtClean="0"/>
-              <a:t>PHP+MySql.</a:t>
-            </a:r>
-          </a:p>
-          <a:p>
-            <a:pPr lvl="1"/>
-            <a:r>
-              <a:rPr lang="pt-BR" dirty="0" smtClean="0"/>
-              <a:t>Será desenvolvido em PHP porque possui grande comunidade, pode ser hospedado a um custo baixo, fazendo com que nossos potenciais clientes tenham uma menor despesa com nossos serviços e atende as necessidades do negócio.</a:t>
-            </a:r>
-          </a:p>
-          <a:p>
-            <a:pPr lvl="1"/>
-            <a:r>
-              <a:rPr lang="pt-BR" dirty="0" smtClean="0"/>
-              <a:t>A escolha do MySql se deu pelo fato de o mesmo possuir baixo custo e fácil hospedagem, impactando também no preço final do serviço.</a:t>
-            </a:r>
-          </a:p>
-          <a:p>
-            <a:pPr lvl="1"/>
+              <a:rPr lang="pt-BR" dirty="0" smtClean="0"/>
+              <a:t>Apresentação Banca de Proposta</a:t>
+            </a:r>
+          </a:p>
+        </p:txBody>
+      </p:sp>
+      <p:sp>
+        <p:nvSpPr>
+          <p:cNvPr id="9" name="Espaço Reservado para Texto 8"/>
+          <p:cNvSpPr>
+            <a:spLocks noGrp="1"/>
+          </p:cNvSpPr>
+          <p:nvPr>
+            <p:ph type="body" sz="quarter" idx="13"/>
+          </p:nvPr>
+        </p:nvSpPr>
+        <p:spPr>
+          <a:xfrm>
+            <a:off x="571472" y="2643182"/>
+            <a:ext cx="8280920" cy="4214818"/>
+          </a:xfrm>
+        </p:spPr>
+        <p:txBody>
+          <a:bodyPr>
+            <a:normAutofit/>
+          </a:bodyPr>
+          <a:lstStyle/>
+          <a:p>
+            <a:r>
+              <a:rPr lang="pt-BR" b="1" dirty="0" smtClean="0"/>
+              <a:t>Escopo do Projeto</a:t>
+            </a:r>
+          </a:p>
+          <a:p>
+            <a:r>
+              <a:rPr lang="pt-BR" b="1" dirty="0" smtClean="0"/>
+              <a:t>Macro Fluxo do Negócio</a:t>
+            </a:r>
+          </a:p>
+          <a:p>
+            <a:r>
+              <a:rPr lang="pt-BR" b="1" dirty="0" smtClean="0"/>
+              <a:t>Requisitos Funcionais</a:t>
+            </a:r>
+          </a:p>
+          <a:p>
+            <a:r>
+              <a:rPr lang="pt-BR" b="1" dirty="0" smtClean="0"/>
+              <a:t>Requisitos Não Funcionais</a:t>
+            </a:r>
+          </a:p>
+          <a:p>
+            <a:r>
+              <a:rPr lang="pt-BR" b="1" dirty="0" smtClean="0">
+                <a:solidFill>
+                  <a:schemeClr val="accent3">
+                    <a:lumMod val="50000"/>
+                  </a:schemeClr>
+                </a:solidFill>
+              </a:rPr>
+              <a:t>Análise de Mercado</a:t>
+            </a:r>
+          </a:p>
+          <a:p>
+            <a:r>
+              <a:rPr lang="pt-BR" b="1" dirty="0" smtClean="0"/>
+              <a:t>Vantagens competitivas</a:t>
+            </a:r>
+          </a:p>
+          <a:p>
+            <a:r>
+              <a:rPr lang="pt-BR" b="1" dirty="0" smtClean="0"/>
+              <a:t>Modelo de Dados Conceitual</a:t>
+            </a:r>
+          </a:p>
+        </p:txBody>
+      </p:sp>
+      <p:sp>
+        <p:nvSpPr>
+          <p:cNvPr id="7" name="Título 6"/>
+          <p:cNvSpPr>
+            <a:spLocks noGrp="1"/>
+          </p:cNvSpPr>
+          <p:nvPr>
+            <p:ph type="title"/>
+          </p:nvPr>
+        </p:nvSpPr>
+        <p:spPr/>
+        <p:txBody>
+          <a:bodyPr>
+            <a:normAutofit/>
+          </a:bodyPr>
+          <a:lstStyle/>
+          <a:p>
+            <a:r>
+              <a:rPr lang="pt-BR" dirty="0" smtClean="0"/>
+              <a:t>Agenda</a:t>
+            </a:r>
             <a:endParaRPr lang="pt-BR" dirty="0"/>
           </a:p>
         </p:txBody>
       </p:sp>
-      <p:sp>
-        <p:nvSpPr>
-          <p:cNvPr id="3" name="Slide Number Placeholder 2"/>
-          <p:cNvSpPr>
-            <a:spLocks noGrp="1"/>
-          </p:cNvSpPr>
-          <p:nvPr>
-            <p:ph type="sldNum" sz="quarter" idx="12"/>
-          </p:nvPr>
-        </p:nvSpPr>
-        <p:spPr/>
-        <p:txBody>
-          <a:bodyPr/>
-          <a:lstStyle/>
-          <a:p>
-            <a:fld id="{031FACD5-5EC0-4CE0-9156-9F2704C0507A}" type="slidenum">
-              <a:rPr lang="pt-BR" smtClean="0"/>
-              <a:pPr/>
-              <a:t>14</a:t>
-            </a:fld>
-            <a:endParaRPr lang="pt-BR"/>
-          </a:p>
-        </p:txBody>
-      </p:sp>
-      <p:sp>
-        <p:nvSpPr>
-          <p:cNvPr id="4" name="Title 3"/>
-          <p:cNvSpPr>
-            <a:spLocks noGrp="1"/>
-          </p:cNvSpPr>
-          <p:nvPr>
-            <p:ph type="title"/>
-          </p:nvPr>
-        </p:nvSpPr>
-        <p:spPr/>
-        <p:txBody>
-          <a:bodyPr/>
-          <a:lstStyle/>
-          <a:p>
-            <a:r>
-              <a:rPr lang="pt-BR" dirty="0"/>
-              <a:t>Requisitos Não Funcionais</a:t>
-            </a:r>
-          </a:p>
-        </p:txBody>
-      </p:sp>
     </p:spTree>
-    <p:extLst>
-      <p:ext uri="{BB962C8B-B14F-4D97-AF65-F5344CB8AC3E}">
-        <p14:creationId xmlns:p14="http://schemas.microsoft.com/office/powerpoint/2010/main" val="3588907168"/>
-      </p:ext>
-    </p:extLst>
   </p:cSld>
   <p:clrMapOvr>
     <a:masterClrMapping/>
   </p:clrMapOvr>
+  <p:timing>
+    <p:tnLst>
+      <p:par>
+        <p:cTn id="1" dur="indefinite" restart="never" nodeType="tmRoot"/>
+      </p:par>
+    </p:tnLst>
+  </p:timing>
 </p:sld>
 </file>
 
@@ -3121,119 +3159,193 @@
       </p:grpSpPr>
       <p:sp>
         <p:nvSpPr>
-          <p:cNvPr id="8" name="Espaço Reservado para Texto 7"/>
-          <p:cNvSpPr>
-            <a:spLocks noGrp="1"/>
-          </p:cNvSpPr>
-          <p:nvPr>
-            <p:ph type="body" idx="1"/>
+          <p:cNvPr id="45061" name="Espaço Reservado para Conteúdo 10"/>
+          <p:cNvSpPr>
+            <a:spLocks noGrp="1"/>
+          </p:cNvSpPr>
+          <p:nvPr>
+            <p:ph idx="1"/>
           </p:nvPr>
         </p:nvSpPr>
         <p:spPr/>
         <p:txBody>
-          <a:bodyPr/>
-          <a:lstStyle/>
-          <a:p>
-            <a:r>
-              <a:rPr lang="pt-BR" dirty="0" smtClean="0"/>
-              <a:t>Apresentação Banca de Proposta</a:t>
-            </a:r>
-          </a:p>
-        </p:txBody>
-      </p:sp>
-      <p:sp>
-        <p:nvSpPr>
-          <p:cNvPr id="9" name="Espaço Reservado para Texto 8"/>
-          <p:cNvSpPr>
-            <a:spLocks noGrp="1"/>
-          </p:cNvSpPr>
-          <p:nvPr>
-            <p:ph type="body" sz="quarter" idx="13"/>
-          </p:nvPr>
-        </p:nvSpPr>
-        <p:spPr>
-          <a:xfrm>
-            <a:off x="571472" y="2643182"/>
-            <a:ext cx="8280920" cy="4214818"/>
-          </a:xfrm>
-        </p:spPr>
+          <a:bodyPr>
+            <a:noAutofit/>
+          </a:bodyPr>
+          <a:lstStyle/>
+          <a:p>
+            <a:r>
+              <a:rPr lang="pt-BR" dirty="0"/>
+              <a:t>Nome: SIN – Gestão para condomínios</a:t>
+            </a:r>
+          </a:p>
+          <a:p>
+            <a:endParaRPr lang="pt-BR" dirty="0"/>
+          </a:p>
+          <a:p>
+            <a:r>
+              <a:rPr lang="pt-BR" dirty="0"/>
+              <a:t>Site da produtora: </a:t>
+            </a:r>
+          </a:p>
+          <a:p>
+            <a:pPr lvl="1"/>
+            <a:r>
+              <a:rPr lang="pt-BR" dirty="0"/>
+              <a:t>www.sistemacondominioonline.com.br</a:t>
+            </a:r>
+          </a:p>
+          <a:p>
+            <a:endParaRPr lang="pt-BR" dirty="0"/>
+          </a:p>
+          <a:p>
+            <a:r>
+              <a:rPr lang="pt-BR" dirty="0"/>
+              <a:t>Descrição das características: </a:t>
+            </a:r>
+          </a:p>
+          <a:p>
+            <a:pPr marL="704088" lvl="2" indent="-320040">
+              <a:spcBef>
+                <a:spcPts val="0"/>
+              </a:spcBef>
+              <a:buClr>
+                <a:schemeClr val="bg2">
+                  <a:lumMod val="10000"/>
+                </a:schemeClr>
+              </a:buClr>
+              <a:buSzPct val="80000"/>
+              <a:buFont typeface="Wingdings 2"/>
+              <a:buChar char=""/>
+            </a:pPr>
+            <a:r>
+              <a:rPr lang="pt-BR" dirty="0"/>
+              <a:t>Gerenciado por uma aplicação desktop</a:t>
+            </a:r>
+          </a:p>
+          <a:p>
+            <a:pPr marL="704088" lvl="2" indent="-320040">
+              <a:spcBef>
+                <a:spcPts val="0"/>
+              </a:spcBef>
+              <a:buClr>
+                <a:schemeClr val="bg2">
+                  <a:lumMod val="10000"/>
+                </a:schemeClr>
+              </a:buClr>
+              <a:buSzPct val="80000"/>
+              <a:buFont typeface="Wingdings 2"/>
+              <a:buChar char=""/>
+            </a:pPr>
+            <a:r>
+              <a:rPr lang="pt-BR" dirty="0"/>
+              <a:t>Realizar consultas de contas, assembleias e atas </a:t>
+            </a:r>
+          </a:p>
+          <a:p>
+            <a:pPr marL="704088" lvl="2" indent="-320040">
+              <a:spcBef>
+                <a:spcPts val="0"/>
+              </a:spcBef>
+              <a:buClr>
+                <a:schemeClr val="bg2">
+                  <a:lumMod val="10000"/>
+                </a:schemeClr>
+              </a:buClr>
+              <a:buSzPct val="80000"/>
+              <a:buFont typeface="Wingdings 2"/>
+              <a:buChar char=""/>
+            </a:pPr>
+            <a:r>
+              <a:rPr lang="pt-BR" dirty="0"/>
+              <a:t>Possui versão free para teste.</a:t>
+            </a:r>
+          </a:p>
+          <a:p>
+            <a:pPr marL="118872" indent="0">
+              <a:buNone/>
+            </a:pPr>
+            <a:endParaRPr lang="pt-BR" b="1" dirty="0" smtClean="0">
+              <a:solidFill>
+                <a:srgbClr val="FF0000"/>
+              </a:solidFill>
+            </a:endParaRPr>
+          </a:p>
+        </p:txBody>
+      </p:sp>
+      <p:sp>
+        <p:nvSpPr>
+          <p:cNvPr id="2" name="Título 1"/>
+          <p:cNvSpPr>
+            <a:spLocks noGrp="1"/>
+          </p:cNvSpPr>
+          <p:nvPr>
+            <p:ph type="title"/>
+          </p:nvPr>
+        </p:nvSpPr>
+        <p:spPr/>
         <p:txBody>
           <a:bodyPr>
             <a:normAutofit/>
           </a:bodyPr>
           <a:lstStyle/>
           <a:p>
-            <a:r>
-              <a:rPr lang="pt-BR" b="1" dirty="0" smtClean="0"/>
-              <a:t>Escopo do Projeto</a:t>
-            </a:r>
-          </a:p>
-          <a:p>
-            <a:r>
-              <a:rPr lang="pt-BR" b="1" dirty="0" smtClean="0"/>
-              <a:t>Macro Fluxo do Negócio</a:t>
-            </a:r>
-          </a:p>
-          <a:p>
-            <a:r>
-              <a:rPr lang="pt-BR" b="1" dirty="0" smtClean="0"/>
-              <a:t>Requisitos Funcionais</a:t>
-            </a:r>
-          </a:p>
-          <a:p>
-            <a:r>
-              <a:rPr lang="pt-BR" b="1" dirty="0" smtClean="0"/>
-              <a:t>Requisitos Não Funcionais</a:t>
-            </a:r>
-          </a:p>
-          <a:p>
-            <a:r>
-              <a:rPr lang="pt-BR" b="1" dirty="0" smtClean="0">
+            <a:pPr>
+              <a:defRPr/>
+            </a:pPr>
+            <a:r>
+              <a:rPr lang="pt-BR" dirty="0" smtClean="0"/>
+              <a:t>Análise de Mercado</a:t>
+            </a:r>
+            <a:endParaRPr lang="pt-BR" dirty="0"/>
+          </a:p>
+        </p:txBody>
+      </p:sp>
+      <p:sp>
+        <p:nvSpPr>
+          <p:cNvPr id="19459" name="Espaço Reservado para Número de Slide 5"/>
+          <p:cNvSpPr txBox="1">
+            <a:spLocks noGrp="1"/>
+          </p:cNvSpPr>
+          <p:nvPr/>
+        </p:nvSpPr>
+        <p:spPr bwMode="auto">
+          <a:xfrm>
+            <a:off x="8204200" y="6643688"/>
+            <a:ext cx="796925" cy="179387"/>
+          </a:xfrm>
+          <a:prstGeom prst="rect">
+            <a:avLst/>
+          </a:prstGeom>
+          <a:noFill/>
+          <a:ln w="9525">
+            <a:noFill/>
+            <a:miter lim="800000"/>
+            <a:headEnd/>
+            <a:tailEnd/>
+          </a:ln>
+        </p:spPr>
+        <p:txBody>
+          <a:bodyPr bIns="0" anchor="b"/>
+          <a:lstStyle/>
+          <a:p>
+            <a:pPr algn="r"/>
+            <a:fld id="{0C91674F-D3B1-4E28-AF80-6550D6D5E435}" type="slidenum">
+              <a:rPr lang="pt-BR" sz="1200" b="1">
                 <a:solidFill>
-                  <a:schemeClr val="accent3">
-                    <a:lumMod val="50000"/>
-                  </a:schemeClr>
+                  <a:schemeClr val="bg1"/>
                 </a:solidFill>
+                <a:latin typeface="Corbel" pitchFamily="34" charset="0"/>
               </a:rPr>
-              <a:t>Análise de Mercado</a:t>
-            </a:r>
-          </a:p>
-          <a:p>
-            <a:r>
-              <a:rPr lang="pt-BR" b="1" dirty="0" smtClean="0"/>
-              <a:t>Vantagens competitivas</a:t>
-            </a:r>
-          </a:p>
-          <a:p>
-            <a:r>
-              <a:rPr lang="pt-BR" b="1" dirty="0" smtClean="0"/>
-              <a:t>Modelo de Dados Conceitual</a:t>
-            </a:r>
-          </a:p>
-        </p:txBody>
-      </p:sp>
-      <p:sp>
-        <p:nvSpPr>
-          <p:cNvPr id="7" name="Título 6"/>
-          <p:cNvSpPr>
-            <a:spLocks noGrp="1"/>
-          </p:cNvSpPr>
-          <p:nvPr>
-            <p:ph type="title"/>
-          </p:nvPr>
-        </p:nvSpPr>
-        <p:spPr/>
-        <p:txBody>
-          <a:bodyPr>
-            <a:normAutofit/>
-          </a:bodyPr>
-          <a:lstStyle/>
-          <a:p>
-            <a:r>
-              <a:rPr lang="pt-BR" dirty="0" smtClean="0"/>
-              <a:t>Agenda</a:t>
-            </a:r>
-            <a:endParaRPr lang="pt-BR" dirty="0"/>
+              <a:pPr algn="r"/>
+              <a:t>15</a:t>
+            </a:fld>
+            <a:endParaRPr lang="pt-BR" sz="1200" b="1" dirty="0">
+              <a:solidFill>
+                <a:schemeClr val="bg1"/>
+              </a:solidFill>
+              <a:latin typeface="Corbel" pitchFamily="34" charset="0"/>
+            </a:endParaRPr>
           </a:p>
         </p:txBody>
       </p:sp>
@@ -3242,6 +3354,7 @@
   <p:clrMapOvr>
     <a:masterClrMapping/>
   </p:clrMapOvr>
+  <p:transition/>
   <p:timing>
     <p:tnLst>
       <p:par>
@@ -3271,230 +3384,6 @@
       </p:grpSpPr>
       <p:sp>
         <p:nvSpPr>
-          <p:cNvPr id="45061" name="Espaço Reservado para Conteúdo 10"/>
-          <p:cNvSpPr>
-            <a:spLocks noGrp="1"/>
-          </p:cNvSpPr>
-          <p:nvPr>
-            <p:ph idx="1"/>
-          </p:nvPr>
-        </p:nvSpPr>
-        <p:spPr/>
-        <p:txBody>
-          <a:bodyPr>
-            <a:noAutofit/>
-          </a:bodyPr>
-          <a:lstStyle/>
-          <a:p>
-            <a:r>
-              <a:rPr lang="pt-BR" dirty="0">
-                <a:solidFill>
-                  <a:schemeClr val="bg2">
-                    <a:lumMod val="10000"/>
-                  </a:schemeClr>
-                </a:solidFill>
-              </a:rPr>
-              <a:t>Nome: SIN – Gestão para condomínios</a:t>
-            </a:r>
-            <a:endParaRPr lang="pt-BR" dirty="0" smtClean="0">
-              <a:solidFill>
-                <a:schemeClr val="bg2">
-                  <a:lumMod val="10000"/>
-                </a:schemeClr>
-              </a:solidFill>
-            </a:endParaRPr>
-          </a:p>
-          <a:p>
-            <a:r>
-              <a:rPr lang="pt-BR" dirty="0" smtClean="0">
-                <a:solidFill>
-                  <a:schemeClr val="bg2">
-                    <a:lumMod val="10000"/>
-                  </a:schemeClr>
-                </a:solidFill>
-              </a:rPr>
-              <a:t>Site da </a:t>
-            </a:r>
-            <a:r>
-              <a:rPr lang="pt-BR" dirty="0">
-                <a:solidFill>
-                  <a:schemeClr val="bg2">
-                    <a:lumMod val="10000"/>
-                  </a:schemeClr>
-                </a:solidFill>
-              </a:rPr>
-              <a:t>produtora: www.sistemacondominioonline.com.br</a:t>
-            </a:r>
-            <a:endParaRPr lang="pt-BR" dirty="0" smtClean="0">
-              <a:solidFill>
-                <a:schemeClr val="bg2">
-                  <a:lumMod val="10000"/>
-                </a:schemeClr>
-              </a:solidFill>
-            </a:endParaRPr>
-          </a:p>
-          <a:p>
-            <a:r>
-              <a:rPr lang="pt-BR" dirty="0" smtClean="0">
-                <a:solidFill>
-                  <a:schemeClr val="bg2">
-                    <a:lumMod val="10000"/>
-                  </a:schemeClr>
-                </a:solidFill>
-              </a:rPr>
-              <a:t>Descrição das </a:t>
-            </a:r>
-            <a:r>
-              <a:rPr lang="pt-BR" dirty="0" smtClean="0">
-                <a:solidFill>
-                  <a:schemeClr val="bg2">
-                    <a:lumMod val="10000"/>
-                  </a:schemeClr>
-                </a:solidFill>
-              </a:rPr>
-              <a:t>características</a:t>
-            </a:r>
-            <a:r>
-              <a:rPr lang="pt-BR" dirty="0">
-                <a:solidFill>
-                  <a:schemeClr val="bg2">
-                    <a:lumMod val="10000"/>
-                  </a:schemeClr>
-                </a:solidFill>
-              </a:rPr>
-              <a:t>: O condomínio é gerenciado por uma aplicação desktop, onde os condomínios podem realizar consultas de contas, assembleias, atas, etc. através do site. Possui versão free para teste.</a:t>
-            </a:r>
-            <a:endParaRPr lang="pt-BR" dirty="0" smtClean="0">
-              <a:solidFill>
-                <a:schemeClr val="bg2">
-                  <a:lumMod val="10000"/>
-                </a:schemeClr>
-              </a:solidFill>
-            </a:endParaRPr>
-          </a:p>
-          <a:p>
-            <a:pPr marL="118872" indent="0">
-              <a:buNone/>
-            </a:pPr>
-            <a:endParaRPr lang="pt-BR" b="1" dirty="0" smtClean="0">
-              <a:solidFill>
-                <a:srgbClr val="FF0000"/>
-              </a:solidFill>
-            </a:endParaRPr>
-          </a:p>
-        </p:txBody>
-      </p:sp>
-      <p:sp>
-        <p:nvSpPr>
-          <p:cNvPr id="2" name="Título 1"/>
-          <p:cNvSpPr>
-            <a:spLocks noGrp="1"/>
-          </p:cNvSpPr>
-          <p:nvPr>
-            <p:ph type="title"/>
-          </p:nvPr>
-        </p:nvSpPr>
-        <p:spPr/>
-        <p:txBody>
-          <a:bodyPr>
-            <a:normAutofit/>
-          </a:bodyPr>
-          <a:lstStyle/>
-          <a:p>
-            <a:pPr>
-              <a:defRPr/>
-            </a:pPr>
-            <a:r>
-              <a:rPr lang="pt-BR" dirty="0" smtClean="0"/>
-              <a:t>Análise de Mercado</a:t>
-            </a:r>
-            <a:endParaRPr lang="pt-BR" dirty="0"/>
-          </a:p>
-        </p:txBody>
-      </p:sp>
-      <p:sp>
-        <p:nvSpPr>
-          <p:cNvPr id="19459" name="Espaço Reservado para Número de Slide 5"/>
-          <p:cNvSpPr txBox="1">
-            <a:spLocks noGrp="1"/>
-          </p:cNvSpPr>
-          <p:nvPr/>
-        </p:nvSpPr>
-        <p:spPr bwMode="auto">
-          <a:xfrm>
-            <a:off x="8204200" y="6643688"/>
-            <a:ext cx="796925" cy="179387"/>
-          </a:xfrm>
-          <a:prstGeom prst="rect">
-            <a:avLst/>
-          </a:prstGeom>
-          <a:noFill/>
-          <a:ln w="9525">
-            <a:noFill/>
-            <a:miter lim="800000"/>
-            <a:headEnd/>
-            <a:tailEnd/>
-          </a:ln>
-        </p:spPr>
-        <p:txBody>
-          <a:bodyPr bIns="0" anchor="b"/>
-          <a:lstStyle/>
-          <a:p>
-            <a:pPr algn="r"/>
-            <a:fld id="{0C91674F-D3B1-4E28-AF80-6550D6D5E435}" type="slidenum">
-              <a:rPr lang="pt-BR" sz="1200" b="1">
-                <a:solidFill>
-                  <a:schemeClr val="bg1"/>
-                </a:solidFill>
-                <a:latin typeface="Corbel" pitchFamily="34" charset="0"/>
-              </a:rPr>
-              <a:pPr algn="r"/>
-              <a:t>16</a:t>
-            </a:fld>
-            <a:endParaRPr lang="pt-BR" sz="1200" b="1" dirty="0">
-              <a:solidFill>
-                <a:schemeClr val="bg1"/>
-              </a:solidFill>
-              <a:latin typeface="Corbel" pitchFamily="34" charset="0"/>
-            </a:endParaRPr>
-          </a:p>
-        </p:txBody>
-      </p:sp>
-    </p:spTree>
-  </p:cSld>
-  <p:clrMapOvr>
-    <a:masterClrMapping/>
-  </p:clrMapOvr>
-  <p:transition/>
-  <p:timing>
-    <p:tnLst>
-      <p:par>
-        <p:cTn id="1" dur="indefinite" restart="never" nodeType="tmRoot"/>
-      </p:par>
-    </p:tnLst>
-  </p:timing>
-</p:sld>
-</file>
-
-<file path=ppt/slides/slide17.xml><?xml version="1.0" encoding="utf-8"?>
-<p:sld xmlns:a="http://schemas.openxmlformats.org/drawingml/2006/main" xmlns:r="http://schemas.openxmlformats.org/officeDocument/2006/relationships" xmlns:p="http://schemas.openxmlformats.org/presentationml/2006/main">
-  <p:cSld>
-    <p:spTree>
-      <p:nvGrpSpPr>
-        <p:cNvPr id="1" name=""/>
-        <p:cNvGrpSpPr/>
-        <p:nvPr/>
-      </p:nvGrpSpPr>
-      <p:grpSpPr>
-        <a:xfrm>
-          <a:off x="0" y="0"/>
-          <a:ext cx="0" cy="0"/>
-          <a:chOff x="0" y="0"/>
-          <a:chExt cx="0" cy="0"/>
-        </a:xfrm>
-      </p:grpSpPr>
-      <p:sp>
-        <p:nvSpPr>
           <p:cNvPr id="3" name="Slide Number Placeholder 2"/>
           <p:cNvSpPr>
             <a:spLocks noGrp="1"/>
@@ -3511,7 +3400,7 @@
             <a:fld id="{031FACD5-5EC0-4CE0-9156-9F2704C0507A}" type="slidenum">
               <a:rPr lang="pt-BR" smtClean="0"/>
               <a:pPr/>
-              <a:t>17</a:t>
+              <a:t>16</a:t>
             </a:fld>
             <a:endParaRPr lang="pt-BR"/>
           </a:p>
@@ -3604,6 +3493,177 @@
   <p:clrMapOvr>
     <a:masterClrMapping/>
   </p:clrMapOvr>
+  <p:timing>
+    <p:tnLst>
+      <p:par>
+        <p:cTn id="1" dur="indefinite" restart="never" nodeType="tmRoot"/>
+      </p:par>
+    </p:tnLst>
+  </p:timing>
+</p:sld>
+</file>
+
+<file path=ppt/slides/slide17.xml><?xml version="1.0" encoding="utf-8"?>
+<p:sld xmlns:a="http://schemas.openxmlformats.org/drawingml/2006/main" xmlns:r="http://schemas.openxmlformats.org/officeDocument/2006/relationships" xmlns:p="http://schemas.openxmlformats.org/presentationml/2006/main">
+  <p:cSld>
+    <p:spTree>
+      <p:nvGrpSpPr>
+        <p:cNvPr id="1" name=""/>
+        <p:cNvGrpSpPr/>
+        <p:nvPr/>
+      </p:nvGrpSpPr>
+      <p:grpSpPr>
+        <a:xfrm>
+          <a:off x="0" y="0"/>
+          <a:ext cx="0" cy="0"/>
+          <a:chOff x="0" y="0"/>
+          <a:chExt cx="0" cy="0"/>
+        </a:xfrm>
+      </p:grpSpPr>
+      <p:sp>
+        <p:nvSpPr>
+          <p:cNvPr id="3" name="Slide Number Placeholder 2"/>
+          <p:cNvSpPr>
+            <a:spLocks noGrp="1"/>
+          </p:cNvSpPr>
+          <p:nvPr>
+            <p:ph type="sldNum" sz="quarter" idx="12"/>
+          </p:nvPr>
+        </p:nvSpPr>
+        <p:spPr/>
+        <p:txBody>
+          <a:bodyPr/>
+          <a:lstStyle/>
+          <a:p>
+            <a:fld id="{031FACD5-5EC0-4CE0-9156-9F2704C0507A}" type="slidenum">
+              <a:rPr lang="pt-BR" smtClean="0"/>
+              <a:pPr/>
+              <a:t>17</a:t>
+            </a:fld>
+            <a:endParaRPr lang="pt-BR"/>
+          </a:p>
+        </p:txBody>
+      </p:sp>
+      <p:sp>
+        <p:nvSpPr>
+          <p:cNvPr id="4" name="Title 3"/>
+          <p:cNvSpPr>
+            <a:spLocks noGrp="1"/>
+          </p:cNvSpPr>
+          <p:nvPr>
+            <p:ph type="title"/>
+          </p:nvPr>
+        </p:nvSpPr>
+        <p:spPr/>
+        <p:txBody>
+          <a:bodyPr/>
+          <a:lstStyle/>
+          <a:p>
+            <a:r>
+              <a:rPr lang="pt-BR" dirty="0" smtClean="0"/>
+              <a:t>Análise de Mercado</a:t>
+            </a:r>
+            <a:endParaRPr lang="pt-BR" dirty="0"/>
+          </a:p>
+        </p:txBody>
+      </p:sp>
+      <p:sp>
+        <p:nvSpPr>
+          <p:cNvPr id="5" name="Espaço Reservado para Conteúdo 10"/>
+          <p:cNvSpPr>
+            <a:spLocks noGrp="1"/>
+          </p:cNvSpPr>
+          <p:nvPr>
+            <p:ph idx="1"/>
+          </p:nvPr>
+        </p:nvSpPr>
+        <p:spPr>
+          <a:xfrm>
+            <a:off x="323528" y="1196752"/>
+            <a:ext cx="8568952" cy="5328592"/>
+          </a:xfrm>
+        </p:spPr>
+        <p:txBody>
+          <a:bodyPr>
+            <a:noAutofit/>
+          </a:bodyPr>
+          <a:lstStyle/>
+          <a:p>
+            <a:r>
+              <a:rPr lang="pt-BR" dirty="0"/>
+              <a:t>Nome: SIN – BR Condominio</a:t>
+            </a:r>
+          </a:p>
+          <a:p>
+            <a:endParaRPr lang="pt-BR" dirty="0"/>
+          </a:p>
+          <a:p>
+            <a:r>
+              <a:rPr lang="pt-BR" dirty="0"/>
+              <a:t>Site da produtora: </a:t>
+            </a:r>
+          </a:p>
+          <a:p>
+            <a:pPr marL="118872" indent="0">
+              <a:buNone/>
+            </a:pPr>
+            <a:r>
+              <a:rPr lang="pt-BR" dirty="0"/>
+              <a:t>www.brcondominio.com.br</a:t>
+            </a:r>
+          </a:p>
+          <a:p>
+            <a:endParaRPr lang="pt-BR" dirty="0"/>
+          </a:p>
+          <a:p>
+            <a:r>
+              <a:rPr lang="pt-BR" dirty="0"/>
+              <a:t>Descrição das características: </a:t>
+            </a:r>
+          </a:p>
+          <a:p>
+            <a:pPr lvl="1"/>
+            <a:r>
+              <a:rPr lang="pt-BR" sz="3200" dirty="0"/>
+              <a:t>Software 100% gerenciado via Internet</a:t>
+            </a:r>
+          </a:p>
+          <a:p>
+            <a:pPr lvl="1"/>
+            <a:r>
+              <a:rPr lang="pt-BR" sz="3200" dirty="0"/>
+              <a:t>Tem versão free para teste.</a:t>
+            </a:r>
+          </a:p>
+          <a:p>
+            <a:pPr marL="118872" indent="0">
+              <a:buNone/>
+            </a:pPr>
+            <a:endParaRPr lang="pt-BR" b="1" dirty="0" smtClean="0">
+              <a:solidFill>
+                <a:srgbClr val="FF0000"/>
+              </a:solidFill>
+            </a:endParaRPr>
+          </a:p>
+        </p:txBody>
+      </p:sp>
+    </p:spTree>
+    <p:extLst>
+      <p:ext uri="{BB962C8B-B14F-4D97-AF65-F5344CB8AC3E}">
+        <p14:creationId xmlns:p14="http://schemas.microsoft.com/office/powerpoint/2010/main" val="3667718674"/>
+      </p:ext>
+    </p:extLst>
+  </p:cSld>
+  <p:clrMapOvr>
+    <a:masterClrMapping/>
+  </p:clrMapOvr>
+  <p:timing>
+    <p:tnLst>
+      <p:par>
+        <p:cTn id="1" dur="indefinite" restart="never" nodeType="tmRoot"/>
+      </p:par>
+    </p:tnLst>
+  </p:timing>
 </p:sld>
 </file>
 
@@ -3643,220 +3703,6 @@
               <a:rPr lang="pt-BR" smtClean="0"/>
               <a:pPr/>
               <a:t>18</a:t>
-            </a:fld>
-            <a:endParaRPr lang="pt-BR"/>
-          </a:p>
-        </p:txBody>
-      </p:sp>
-      <p:sp>
-        <p:nvSpPr>
-          <p:cNvPr id="4" name="Title 3"/>
-          <p:cNvSpPr>
-            <a:spLocks noGrp="1"/>
-          </p:cNvSpPr>
-          <p:nvPr>
-            <p:ph type="title"/>
-          </p:nvPr>
-        </p:nvSpPr>
-        <p:spPr/>
-        <p:txBody>
-          <a:bodyPr/>
-          <a:lstStyle/>
-          <a:p>
-            <a:r>
-              <a:rPr lang="pt-BR" dirty="0" smtClean="0"/>
-              <a:t>Análise de Mercado</a:t>
-            </a:r>
-            <a:endParaRPr lang="pt-BR" dirty="0"/>
-          </a:p>
-        </p:txBody>
-      </p:sp>
-      <p:sp>
-        <p:nvSpPr>
-          <p:cNvPr id="5" name="Espaço Reservado para Conteúdo 10"/>
-          <p:cNvSpPr>
-            <a:spLocks noGrp="1"/>
-          </p:cNvSpPr>
-          <p:nvPr>
-            <p:ph idx="1"/>
-          </p:nvPr>
-        </p:nvSpPr>
-        <p:spPr>
-          <a:xfrm>
-            <a:off x="323528" y="1196752"/>
-            <a:ext cx="8568952" cy="5328592"/>
-          </a:xfrm>
-        </p:spPr>
-        <p:txBody>
-          <a:bodyPr>
-            <a:noAutofit/>
-          </a:bodyPr>
-          <a:lstStyle/>
-          <a:p>
-            <a:r>
-              <a:rPr lang="pt-BR" dirty="0">
-                <a:solidFill>
-                  <a:schemeClr val="bg2">
-                    <a:lumMod val="10000"/>
-                  </a:schemeClr>
-                </a:solidFill>
-              </a:rPr>
-              <a:t>Nome: SIN – </a:t>
-            </a:r>
-            <a:r>
-              <a:rPr lang="pt-BR" dirty="0">
-                <a:solidFill>
-                  <a:schemeClr val="bg2">
-                    <a:lumMod val="10000"/>
-                  </a:schemeClr>
-                </a:solidFill>
-              </a:rPr>
-              <a:t>BR </a:t>
-            </a:r>
-            <a:r>
-              <a:rPr lang="pt-BR" dirty="0">
-                <a:solidFill>
-                  <a:schemeClr val="bg2">
-                    <a:lumMod val="10000"/>
-                  </a:schemeClr>
-                </a:solidFill>
-              </a:rPr>
-              <a:t>Condominio</a:t>
-            </a:r>
-          </a:p>
-          <a:p>
-            <a:r>
-              <a:rPr lang="pt-BR" dirty="0">
-                <a:solidFill>
-                  <a:schemeClr val="bg2">
-                    <a:lumMod val="10000"/>
-                  </a:schemeClr>
-                </a:solidFill>
-              </a:rPr>
-              <a:t>Site da </a:t>
-            </a:r>
-            <a:r>
-              <a:rPr lang="pt-BR" dirty="0">
-                <a:solidFill>
-                  <a:schemeClr val="bg2">
-                    <a:lumMod val="10000"/>
-                  </a:schemeClr>
-                </a:solidFill>
-              </a:rPr>
-              <a:t>produtora: </a:t>
-            </a:r>
-            <a:r>
-              <a:rPr lang="pt-BR" dirty="0">
-                <a:solidFill>
-                  <a:schemeClr val="bg2">
-                    <a:lumMod val="10000"/>
-                  </a:schemeClr>
-                </a:solidFill>
-                <a:hlinkClick r:id="rId2"/>
-              </a:rPr>
-              <a:t>www.brcondominio.com.br</a:t>
-            </a:r>
-            <a:endParaRPr lang="pt-BR" dirty="0">
-              <a:solidFill>
-                <a:schemeClr val="bg2">
-                  <a:lumMod val="10000"/>
-                </a:schemeClr>
-              </a:solidFill>
-            </a:endParaRPr>
-          </a:p>
-          <a:p>
-            <a:r>
-              <a:rPr lang="pt-BR" dirty="0">
-                <a:solidFill>
-                  <a:schemeClr val="bg2">
-                    <a:lumMod val="10000"/>
-                  </a:schemeClr>
-                </a:solidFill>
-              </a:rPr>
-              <a:t>Descrição das características</a:t>
-            </a:r>
-            <a:r>
-              <a:rPr lang="pt-BR" dirty="0">
-                <a:solidFill>
-                  <a:schemeClr val="bg2">
-                    <a:lumMod val="10000"/>
-                  </a:schemeClr>
-                </a:solidFill>
-              </a:rPr>
-              <a:t>: Software 100% gerenciado via Internet, condôminos tem acesso a funcionalidades do software. Tem versão free para teste</a:t>
-            </a:r>
-            <a:r>
-              <a:rPr lang="pt-BR" dirty="0">
-                <a:solidFill>
-                  <a:schemeClr val="bg2">
-                    <a:lumMod val="10000"/>
-                  </a:schemeClr>
-                </a:solidFill>
-              </a:rPr>
-              <a:t>.</a:t>
-            </a:r>
-          </a:p>
-          <a:p>
-            <a:pPr marL="118872" indent="0">
-              <a:buNone/>
-            </a:pPr>
-            <a:endParaRPr lang="pt-BR" b="1" dirty="0" smtClean="0">
-              <a:solidFill>
-                <a:srgbClr val="FF0000"/>
-              </a:solidFill>
-            </a:endParaRPr>
-          </a:p>
-        </p:txBody>
-      </p:sp>
-    </p:spTree>
-    <p:extLst>
-      <p:ext uri="{BB962C8B-B14F-4D97-AF65-F5344CB8AC3E}">
-        <p14:creationId xmlns:p14="http://schemas.microsoft.com/office/powerpoint/2010/main" val="3667718674"/>
-      </p:ext>
-    </p:extLst>
-  </p:cSld>
-  <p:clrMapOvr>
-    <a:masterClrMapping/>
-  </p:clrMapOvr>
-</p:sld>
-</file>
-
-<file path=ppt/slides/slide19.xml><?xml version="1.0" encoding="utf-8"?>
-<p:sld xmlns:a="http://schemas.openxmlformats.org/drawingml/2006/main" xmlns:r="http://schemas.openxmlformats.org/officeDocument/2006/relationships" xmlns:p="http://schemas.openxmlformats.org/presentationml/2006/main">
-  <p:cSld>
-    <p:spTree>
-      <p:nvGrpSpPr>
-        <p:cNvPr id="1" name=""/>
-        <p:cNvGrpSpPr/>
-        <p:nvPr/>
-      </p:nvGrpSpPr>
-      <p:grpSpPr>
-        <a:xfrm>
-          <a:off x="0" y="0"/>
-          <a:ext cx="0" cy="0"/>
-          <a:chOff x="0" y="0"/>
-          <a:chExt cx="0" cy="0"/>
-        </a:xfrm>
-      </p:grpSpPr>
-      <p:sp>
-        <p:nvSpPr>
-          <p:cNvPr id="3" name="Slide Number Placeholder 2"/>
-          <p:cNvSpPr>
-            <a:spLocks noGrp="1"/>
-          </p:cNvSpPr>
-          <p:nvPr>
-            <p:ph type="sldNum" sz="quarter" idx="12"/>
-          </p:nvPr>
-        </p:nvSpPr>
-        <p:spPr/>
-        <p:txBody>
-          <a:bodyPr/>
-          <a:lstStyle/>
-          <a:p>
-            <a:fld id="{031FACD5-5EC0-4CE0-9156-9F2704C0507A}" type="slidenum">
-              <a:rPr lang="pt-BR" smtClean="0"/>
-              <a:pPr/>
-              <a:t>19</a:t>
             </a:fld>
             <a:endParaRPr lang="pt-BR"/>
           </a:p>
@@ -3949,6 +3795,163 @@
   <p:clrMapOvr>
     <a:masterClrMapping/>
   </p:clrMapOvr>
+  <p:timing>
+    <p:tnLst>
+      <p:par>
+        <p:cTn id="1" dur="indefinite" restart="never" nodeType="tmRoot"/>
+      </p:par>
+    </p:tnLst>
+  </p:timing>
+</p:sld>
+</file>
+
+<file path=ppt/slides/slide19.xml><?xml version="1.0" encoding="utf-8"?>
+<p:sld xmlns:a="http://schemas.openxmlformats.org/drawingml/2006/main" xmlns:r="http://schemas.openxmlformats.org/officeDocument/2006/relationships" xmlns:p="http://schemas.openxmlformats.org/presentationml/2006/main">
+  <p:cSld>
+    <p:spTree>
+      <p:nvGrpSpPr>
+        <p:cNvPr id="1" name=""/>
+        <p:cNvGrpSpPr/>
+        <p:nvPr/>
+      </p:nvGrpSpPr>
+      <p:grpSpPr>
+        <a:xfrm>
+          <a:off x="0" y="0"/>
+          <a:ext cx="0" cy="0"/>
+          <a:chOff x="0" y="0"/>
+          <a:chExt cx="0" cy="0"/>
+        </a:xfrm>
+      </p:grpSpPr>
+      <p:sp>
+        <p:nvSpPr>
+          <p:cNvPr id="8" name="Espaço Reservado para Texto 7"/>
+          <p:cNvSpPr>
+            <a:spLocks noGrp="1"/>
+          </p:cNvSpPr>
+          <p:nvPr>
+            <p:ph type="body" idx="1"/>
+          </p:nvPr>
+        </p:nvSpPr>
+        <p:spPr/>
+        <p:txBody>
+          <a:bodyPr/>
+          <a:lstStyle/>
+          <a:p>
+            <a:r>
+              <a:rPr lang="pt-BR" dirty="0" smtClean="0"/>
+              <a:t>Apresentação Banca de Proposta</a:t>
+            </a:r>
+          </a:p>
+        </p:txBody>
+      </p:sp>
+      <p:sp>
+        <p:nvSpPr>
+          <p:cNvPr id="9" name="Espaço Reservado para Texto 8"/>
+          <p:cNvSpPr>
+            <a:spLocks noGrp="1"/>
+          </p:cNvSpPr>
+          <p:nvPr>
+            <p:ph type="body" sz="quarter" idx="13"/>
+          </p:nvPr>
+        </p:nvSpPr>
+        <p:spPr>
+          <a:xfrm>
+            <a:off x="571472" y="2643182"/>
+            <a:ext cx="8280920" cy="4214818"/>
+          </a:xfrm>
+        </p:spPr>
+        <p:txBody>
+          <a:bodyPr>
+            <a:normAutofit/>
+          </a:bodyPr>
+          <a:lstStyle/>
+          <a:p>
+            <a:r>
+              <a:rPr lang="pt-BR" b="1" dirty="0" smtClean="0"/>
+              <a:t>Escopo do Projeto</a:t>
+            </a:r>
+          </a:p>
+          <a:p>
+            <a:r>
+              <a:rPr lang="pt-BR" b="1" dirty="0" smtClean="0"/>
+              <a:t>Macro Fluxo do Negócio</a:t>
+            </a:r>
+          </a:p>
+          <a:p>
+            <a:r>
+              <a:rPr lang="pt-BR" b="1" dirty="0" smtClean="0"/>
+              <a:t>Requisitos Funcionais</a:t>
+            </a:r>
+          </a:p>
+          <a:p>
+            <a:r>
+              <a:rPr lang="pt-BR" b="1" dirty="0" smtClean="0"/>
+              <a:t>Requisitos Não Funcionais</a:t>
+            </a:r>
+          </a:p>
+          <a:p>
+            <a:r>
+              <a:rPr lang="pt-BR" b="1" dirty="0" smtClean="0"/>
+              <a:t>Análise de Mercado</a:t>
+            </a:r>
+          </a:p>
+          <a:p>
+            <a:r>
+              <a:rPr lang="pt-BR" b="1" dirty="0" smtClean="0">
+                <a:solidFill>
+                  <a:schemeClr val="accent3">
+                    <a:lumMod val="50000"/>
+                  </a:schemeClr>
+                </a:solidFill>
+              </a:rPr>
+              <a:t>Vantagens competitivas</a:t>
+            </a:r>
+          </a:p>
+          <a:p>
+            <a:r>
+              <a:rPr lang="pt-BR" b="1" dirty="0" smtClean="0"/>
+              <a:t>Modelo de Dados Conceitual</a:t>
+            </a:r>
+          </a:p>
+        </p:txBody>
+      </p:sp>
+      <p:sp>
+        <p:nvSpPr>
+          <p:cNvPr id="7" name="Título 6"/>
+          <p:cNvSpPr>
+            <a:spLocks noGrp="1"/>
+          </p:cNvSpPr>
+          <p:nvPr>
+            <p:ph type="title"/>
+          </p:nvPr>
+        </p:nvSpPr>
+        <p:spPr/>
+        <p:txBody>
+          <a:bodyPr>
+            <a:normAutofit/>
+          </a:bodyPr>
+          <a:lstStyle/>
+          <a:p>
+            <a:r>
+              <a:rPr lang="pt-BR" dirty="0" smtClean="0"/>
+              <a:t>Agenda</a:t>
+            </a:r>
+            <a:endParaRPr lang="pt-BR" dirty="0"/>
+          </a:p>
+        </p:txBody>
+      </p:sp>
+    </p:spTree>
+  </p:cSld>
+  <p:clrMapOvr>
+    <a:masterClrMapping/>
+  </p:clrMapOvr>
+  <p:timing>
+    <p:tnLst>
+      <p:par>
+        <p:cTn id="1" dur="indefinite" restart="never" nodeType="tmRoot"/>
+      </p:par>
+    </p:tnLst>
+  </p:timing>
 </p:sld>
 </file>
 
@@ -4128,119 +4131,143 @@
       </p:grpSpPr>
       <p:sp>
         <p:nvSpPr>
-          <p:cNvPr id="8" name="Espaço Reservado para Texto 7"/>
-          <p:cNvSpPr>
-            <a:spLocks noGrp="1"/>
-          </p:cNvSpPr>
-          <p:nvPr>
-            <p:ph type="body" idx="1"/>
+          <p:cNvPr id="45061" name="Espaço Reservado para Conteúdo 10"/>
+          <p:cNvSpPr>
+            <a:spLocks noGrp="1"/>
+          </p:cNvSpPr>
+          <p:nvPr>
+            <p:ph idx="1"/>
           </p:nvPr>
         </p:nvSpPr>
         <p:spPr/>
         <p:txBody>
-          <a:bodyPr/>
-          <a:lstStyle/>
-          <a:p>
-            <a:r>
-              <a:rPr lang="pt-BR" dirty="0" smtClean="0"/>
-              <a:t>Apresentação Banca de Proposta</a:t>
-            </a:r>
-          </a:p>
-        </p:txBody>
-      </p:sp>
-      <p:sp>
-        <p:nvSpPr>
-          <p:cNvPr id="9" name="Espaço Reservado para Texto 8"/>
-          <p:cNvSpPr>
-            <a:spLocks noGrp="1"/>
-          </p:cNvSpPr>
-          <p:nvPr>
-            <p:ph type="body" sz="quarter" idx="13"/>
-          </p:nvPr>
-        </p:nvSpPr>
-        <p:spPr>
-          <a:xfrm>
-            <a:off x="571472" y="2643182"/>
-            <a:ext cx="8280920" cy="4214818"/>
-          </a:xfrm>
-        </p:spPr>
+          <a:bodyPr>
+            <a:noAutofit/>
+          </a:bodyPr>
+          <a:lstStyle/>
+          <a:p>
+            <a:endParaRPr lang="pt-BR" dirty="0" smtClean="0"/>
+          </a:p>
+          <a:p>
+            <a:r>
+              <a:rPr lang="pt-BR" dirty="0" smtClean="0"/>
+              <a:t>Transparencia e Organização</a:t>
+            </a:r>
+            <a:endParaRPr lang="pt-BR" dirty="0"/>
+          </a:p>
+          <a:p>
+            <a:endParaRPr lang="pt-BR" dirty="0" smtClean="0"/>
+          </a:p>
+          <a:p>
+            <a:r>
+              <a:rPr lang="pt-BR" dirty="0" smtClean="0"/>
+              <a:t>Atual (“internet” +  mobile)</a:t>
+            </a:r>
+            <a:endParaRPr lang="pt-BR" dirty="0"/>
+          </a:p>
+          <a:p>
+            <a:endParaRPr lang="pt-BR" dirty="0" smtClean="0"/>
+          </a:p>
+          <a:p>
+            <a:r>
+              <a:rPr lang="pt-BR" dirty="0" smtClean="0"/>
+              <a:t>Gera informação</a:t>
+            </a:r>
+          </a:p>
+          <a:p>
+            <a:endParaRPr lang="pt-BR" dirty="0"/>
+          </a:p>
+          <a:p>
+            <a:r>
+              <a:rPr lang="pt-BR" dirty="0" smtClean="0"/>
+              <a:t>Canal de comunicação </a:t>
+            </a:r>
+          </a:p>
+          <a:p>
+            <a:endParaRPr lang="pt-BR" dirty="0"/>
+          </a:p>
+          <a:p>
+            <a:r>
+              <a:rPr lang="pt-BR" dirty="0" smtClean="0"/>
+              <a:t>Segurança</a:t>
+            </a:r>
+            <a:endParaRPr lang="pt-BR" dirty="0"/>
+          </a:p>
+        </p:txBody>
+      </p:sp>
+      <p:sp>
+        <p:nvSpPr>
+          <p:cNvPr id="2" name="Título 1"/>
+          <p:cNvSpPr>
+            <a:spLocks noGrp="1"/>
+          </p:cNvSpPr>
+          <p:nvPr>
+            <p:ph type="title"/>
+          </p:nvPr>
+        </p:nvSpPr>
+        <p:spPr/>
         <p:txBody>
           <a:bodyPr>
             <a:normAutofit/>
           </a:bodyPr>
           <a:lstStyle/>
           <a:p>
-            <a:r>
-              <a:rPr lang="pt-BR" b="1" dirty="0" smtClean="0"/>
-              <a:t>Escopo do Projeto</a:t>
-            </a:r>
-          </a:p>
-          <a:p>
-            <a:r>
-              <a:rPr lang="pt-BR" b="1" dirty="0" smtClean="0"/>
-              <a:t>Macro Fluxo do Negócio</a:t>
-            </a:r>
-          </a:p>
-          <a:p>
-            <a:r>
-              <a:rPr lang="pt-BR" b="1" dirty="0" smtClean="0"/>
-              <a:t>Requisitos Funcionais</a:t>
-            </a:r>
-          </a:p>
-          <a:p>
-            <a:r>
-              <a:rPr lang="pt-BR" b="1" dirty="0" smtClean="0"/>
-              <a:t>Requisitos Não Funcionais</a:t>
-            </a:r>
-          </a:p>
-          <a:p>
-            <a:r>
-              <a:rPr lang="pt-BR" b="1" dirty="0" smtClean="0"/>
-              <a:t>Análise de Mercado</a:t>
-            </a:r>
-          </a:p>
-          <a:p>
-            <a:r>
-              <a:rPr lang="pt-BR" b="1" dirty="0" smtClean="0">
+            <a:pPr>
+              <a:defRPr/>
+            </a:pPr>
+            <a:r>
+              <a:rPr lang="pt-BR" dirty="0" smtClean="0"/>
+              <a:t>Vantagens Competitivas</a:t>
+            </a:r>
+            <a:endParaRPr lang="pt-BR" dirty="0"/>
+          </a:p>
+        </p:txBody>
+      </p:sp>
+      <p:sp>
+        <p:nvSpPr>
+          <p:cNvPr id="19459" name="Espaço Reservado para Número de Slide 5"/>
+          <p:cNvSpPr txBox="1">
+            <a:spLocks noGrp="1"/>
+          </p:cNvSpPr>
+          <p:nvPr/>
+        </p:nvSpPr>
+        <p:spPr bwMode="auto">
+          <a:xfrm>
+            <a:off x="8204200" y="6643688"/>
+            <a:ext cx="796925" cy="179387"/>
+          </a:xfrm>
+          <a:prstGeom prst="rect">
+            <a:avLst/>
+          </a:prstGeom>
+          <a:noFill/>
+          <a:ln w="9525">
+            <a:noFill/>
+            <a:miter lim="800000"/>
+            <a:headEnd/>
+            <a:tailEnd/>
+          </a:ln>
+        </p:spPr>
+        <p:txBody>
+          <a:bodyPr bIns="0" anchor="b"/>
+          <a:lstStyle/>
+          <a:p>
+            <a:pPr algn="r"/>
+            <a:fld id="{0C91674F-D3B1-4E28-AF80-6550D6D5E435}" type="slidenum">
+              <a:rPr lang="pt-BR" sz="1200" b="1">
                 <a:solidFill>
-                  <a:schemeClr val="accent3">
-                    <a:lumMod val="50000"/>
-                  </a:schemeClr>
+                  <a:schemeClr val="bg1"/>
                 </a:solidFill>
+                <a:latin typeface="Corbel" pitchFamily="34" charset="0"/>
               </a:rPr>
-              <a:t>Vantagens competitivas</a:t>
-            </a:r>
-          </a:p>
-          <a:p>
-            <a:r>
-              <a:rPr lang="pt-BR" b="1" dirty="0" smtClean="0"/>
-              <a:t>Modelo de Dados Conceitual</a:t>
-            </a:r>
-          </a:p>
-        </p:txBody>
-      </p:sp>
-      <p:sp>
-        <p:nvSpPr>
-          <p:cNvPr id="7" name="Título 6"/>
-          <p:cNvSpPr>
-            <a:spLocks noGrp="1"/>
-          </p:cNvSpPr>
-          <p:nvPr>
-            <p:ph type="title"/>
-          </p:nvPr>
-        </p:nvSpPr>
-        <p:spPr/>
-        <p:txBody>
-          <a:bodyPr>
-            <a:normAutofit/>
-          </a:bodyPr>
-          <a:lstStyle/>
-          <a:p>
-            <a:r>
-              <a:rPr lang="pt-BR" dirty="0" smtClean="0"/>
-              <a:t>Agenda</a:t>
-            </a:r>
-            <a:endParaRPr lang="pt-BR" dirty="0"/>
+              <a:pPr algn="r"/>
+              <a:t>20</a:t>
+            </a:fld>
+            <a:endParaRPr lang="pt-BR" sz="1200" b="1" dirty="0">
+              <a:solidFill>
+                <a:schemeClr val="bg1"/>
+              </a:solidFill>
+              <a:latin typeface="Corbel" pitchFamily="34" charset="0"/>
+            </a:endParaRPr>
           </a:p>
         </p:txBody>
       </p:sp>
@@ -4249,6 +4276,7 @@
   <p:clrMapOvr>
     <a:masterClrMapping/>
   </p:clrMapOvr>
+  <p:transition/>
   <p:timing>
     <p:tnLst>
       <p:par>
@@ -4278,112 +4306,119 @@
       </p:grpSpPr>
       <p:sp>
         <p:nvSpPr>
-          <p:cNvPr id="45061" name="Espaço Reservado para Conteúdo 10"/>
-          <p:cNvSpPr>
-            <a:spLocks noGrp="1"/>
-          </p:cNvSpPr>
-          <p:nvPr>
-            <p:ph idx="1"/>
+          <p:cNvPr id="8" name="Espaço Reservado para Texto 7"/>
+          <p:cNvSpPr>
+            <a:spLocks noGrp="1"/>
+          </p:cNvSpPr>
+          <p:nvPr>
+            <p:ph type="body" idx="1"/>
           </p:nvPr>
         </p:nvSpPr>
         <p:spPr/>
         <p:txBody>
-          <a:bodyPr>
-            <a:noAutofit/>
-          </a:bodyPr>
-          <a:lstStyle/>
-          <a:p>
-            <a:r>
-              <a:rPr lang="pt-BR" dirty="0"/>
-              <a:t>O principal objetivo desse software é fazer com que o síndico possa administrar de maneira transparente e organizada sua comunidade.</a:t>
-            </a:r>
-          </a:p>
-          <a:p>
-            <a:r>
-              <a:rPr lang="pt-BR" dirty="0"/>
-              <a:t>Nosso projeto também irá garantir a integridade e organização dos dados, esses que em muitos lugares são administrados de forma arcaica dificultando a recuperação dos mesmos</a:t>
-            </a:r>
-            <a:r>
-              <a:rPr lang="pt-BR" dirty="0" smtClean="0"/>
-              <a:t>.</a:t>
-            </a:r>
-            <a:endParaRPr lang="pt-BR" dirty="0"/>
-          </a:p>
-        </p:txBody>
-      </p:sp>
-      <p:sp>
-        <p:nvSpPr>
-          <p:cNvPr id="2" name="Título 1"/>
-          <p:cNvSpPr>
-            <a:spLocks noGrp="1"/>
-          </p:cNvSpPr>
-          <p:nvPr>
-            <p:ph type="title"/>
-          </p:nvPr>
-        </p:nvSpPr>
-        <p:spPr/>
+          <a:bodyPr/>
+          <a:lstStyle/>
+          <a:p>
+            <a:r>
+              <a:rPr lang="pt-BR" dirty="0" smtClean="0"/>
+              <a:t>Apresentação Banca de Proposta</a:t>
+            </a:r>
+          </a:p>
+        </p:txBody>
+      </p:sp>
+      <p:sp>
+        <p:nvSpPr>
+          <p:cNvPr id="9" name="Espaço Reservado para Texto 8"/>
+          <p:cNvSpPr>
+            <a:spLocks noGrp="1"/>
+          </p:cNvSpPr>
+          <p:nvPr>
+            <p:ph type="body" sz="quarter" idx="13"/>
+          </p:nvPr>
+        </p:nvSpPr>
+        <p:spPr>
+          <a:xfrm>
+            <a:off x="571472" y="2643182"/>
+            <a:ext cx="8280920" cy="4214818"/>
+          </a:xfrm>
+        </p:spPr>
         <p:txBody>
           <a:bodyPr>
             <a:normAutofit/>
           </a:bodyPr>
           <a:lstStyle/>
           <a:p>
-            <a:pPr>
-              <a:defRPr/>
-            </a:pPr>
-            <a:r>
-              <a:rPr lang="pt-BR" dirty="0" smtClean="0"/>
-              <a:t>Vantagens Competitivas</a:t>
+            <a:r>
+              <a:rPr lang="pt-BR" b="1" dirty="0" smtClean="0"/>
+              <a:t>Escopo do Projeto</a:t>
+            </a:r>
+          </a:p>
+          <a:p>
+            <a:r>
+              <a:rPr lang="pt-BR" b="1" dirty="0" smtClean="0"/>
+              <a:t>Macro Fluxo do Negócio</a:t>
+            </a:r>
+          </a:p>
+          <a:p>
+            <a:r>
+              <a:rPr lang="pt-BR" b="1" dirty="0" smtClean="0"/>
+              <a:t>Requisitos Funcionais</a:t>
+            </a:r>
+          </a:p>
+          <a:p>
+            <a:r>
+              <a:rPr lang="pt-BR" b="1" dirty="0" smtClean="0"/>
+              <a:t>Requisitos Não Funcionais</a:t>
+            </a:r>
+          </a:p>
+          <a:p>
+            <a:r>
+              <a:rPr lang="pt-BR" b="1" dirty="0" smtClean="0"/>
+              <a:t>Análise de Mercado</a:t>
+            </a:r>
+          </a:p>
+          <a:p>
+            <a:r>
+              <a:rPr lang="pt-BR" b="1" dirty="0" smtClean="0"/>
+              <a:t>Vantagens competitivas</a:t>
+            </a:r>
+          </a:p>
+          <a:p>
+            <a:r>
+              <a:rPr lang="pt-BR" b="1" dirty="0" smtClean="0">
+                <a:solidFill>
+                  <a:schemeClr val="accent3">
+                    <a:lumMod val="50000"/>
+                  </a:schemeClr>
+                </a:solidFill>
+              </a:rPr>
+              <a:t>Modelo de Dados Conceitual</a:t>
+            </a:r>
+          </a:p>
+        </p:txBody>
+      </p:sp>
+      <p:sp>
+        <p:nvSpPr>
+          <p:cNvPr id="7" name="Título 6"/>
+          <p:cNvSpPr>
+            <a:spLocks noGrp="1"/>
+          </p:cNvSpPr>
+          <p:nvPr>
+            <p:ph type="title"/>
+          </p:nvPr>
+        </p:nvSpPr>
+        <p:spPr/>
+        <p:txBody>
+          <a:bodyPr>
+            <a:normAutofit/>
+          </a:bodyPr>
+          <a:lstStyle/>
+          <a:p>
+            <a:r>
+              <a:rPr lang="pt-BR" dirty="0" smtClean="0"/>
+              <a:t>Agenda</a:t>
             </a:r>
             <a:endParaRPr lang="pt-BR" dirty="0"/>
-          </a:p>
-        </p:txBody>
-      </p:sp>
-      <p:sp>
-        <p:nvSpPr>
-          <p:cNvPr id="19459" name="Espaço Reservado para Número de Slide 5"/>
-          <p:cNvSpPr txBox="1">
-            <a:spLocks noGrp="1"/>
-          </p:cNvSpPr>
-          <p:nvPr/>
-        </p:nvSpPr>
-        <p:spPr bwMode="auto">
-          <a:xfrm>
-            <a:off x="8204200" y="6643688"/>
-            <a:ext cx="796925" cy="179387"/>
-          </a:xfrm>
-          <a:prstGeom prst="rect">
-            <a:avLst/>
-          </a:prstGeom>
-          <a:noFill/>
-          <a:ln w="9525">
-            <a:noFill/>
-            <a:miter lim="800000"/>
-            <a:headEnd/>
-            <a:tailEnd/>
-          </a:ln>
-        </p:spPr>
-        <p:txBody>
-          <a:bodyPr bIns="0" anchor="b"/>
-          <a:lstStyle/>
-          <a:p>
-            <a:pPr algn="r"/>
-            <a:fld id="{0C91674F-D3B1-4E28-AF80-6550D6D5E435}" type="slidenum">
-              <a:rPr lang="pt-BR" sz="1200" b="1">
-                <a:solidFill>
-                  <a:schemeClr val="bg1"/>
-                </a:solidFill>
-                <a:latin typeface="Corbel" pitchFamily="34" charset="0"/>
-              </a:rPr>
-              <a:pPr algn="r"/>
-              <a:t>21</a:t>
-            </a:fld>
-            <a:endParaRPr lang="pt-BR" sz="1200" b="1" dirty="0">
-              <a:solidFill>
-                <a:schemeClr val="bg1"/>
-              </a:solidFill>
-              <a:latin typeface="Corbel" pitchFamily="34" charset="0"/>
-            </a:endParaRPr>
           </a:p>
         </p:txBody>
       </p:sp>
@@ -4392,7 +4427,6 @@
   <p:clrMapOvr>
     <a:masterClrMapping/>
   </p:clrMapOvr>
-  <p:transition/>
   <p:timing>
     <p:tnLst>
       <p:par>
@@ -4422,267 +4456,6 @@
       </p:grpSpPr>
       <p:sp>
         <p:nvSpPr>
-          <p:cNvPr id="2" name="Content Placeholder 1"/>
-          <p:cNvSpPr>
-            <a:spLocks noGrp="1"/>
-          </p:cNvSpPr>
-          <p:nvPr>
-            <p:ph idx="1"/>
-          </p:nvPr>
-        </p:nvSpPr>
-        <p:spPr/>
-        <p:txBody>
-          <a:bodyPr/>
-          <a:lstStyle/>
-          <a:p>
-            <a:r>
-              <a:rPr lang="pt-BR" dirty="0"/>
-              <a:t>Outra proposta é a interação entre o condômino e o síndico formando assim uma equipe cujo objetivo único é a boa preservação do espaço em que ambos estão inseridos.</a:t>
-            </a:r>
-          </a:p>
-          <a:p>
-            <a:r>
-              <a:rPr lang="pt-BR" dirty="0"/>
-              <a:t>Esse software também irá auxiliar de certa forma na segurança dos moradores, pois irá manter registros diários de toda a entrada, seja de visitantes ou seja de não-condôminos.</a:t>
-            </a:r>
-          </a:p>
-          <a:p>
-            <a:pPr marL="118872" indent="0">
-              <a:buNone/>
-            </a:pPr>
-            <a:endParaRPr lang="pt-BR" dirty="0"/>
-          </a:p>
-        </p:txBody>
-      </p:sp>
-      <p:sp>
-        <p:nvSpPr>
-          <p:cNvPr id="3" name="Slide Number Placeholder 2"/>
-          <p:cNvSpPr>
-            <a:spLocks noGrp="1"/>
-          </p:cNvSpPr>
-          <p:nvPr>
-            <p:ph type="sldNum" sz="quarter" idx="12"/>
-          </p:nvPr>
-        </p:nvSpPr>
-        <p:spPr/>
-        <p:txBody>
-          <a:bodyPr/>
-          <a:lstStyle/>
-          <a:p>
-            <a:fld id="{031FACD5-5EC0-4CE0-9156-9F2704C0507A}" type="slidenum">
-              <a:rPr lang="pt-BR" smtClean="0"/>
-              <a:pPr/>
-              <a:t>22</a:t>
-            </a:fld>
-            <a:endParaRPr lang="pt-BR"/>
-          </a:p>
-        </p:txBody>
-      </p:sp>
-      <p:sp>
-        <p:nvSpPr>
-          <p:cNvPr id="4" name="Title 3"/>
-          <p:cNvSpPr>
-            <a:spLocks noGrp="1"/>
-          </p:cNvSpPr>
-          <p:nvPr>
-            <p:ph type="title"/>
-          </p:nvPr>
-        </p:nvSpPr>
-        <p:spPr/>
-        <p:txBody>
-          <a:bodyPr/>
-          <a:lstStyle/>
-          <a:p>
-            <a:r>
-              <a:rPr lang="pt-BR" dirty="0" smtClean="0"/>
-              <a:t>Vantagens Competitivas</a:t>
-            </a:r>
-            <a:endParaRPr lang="pt-BR" dirty="0"/>
-          </a:p>
-        </p:txBody>
-      </p:sp>
-    </p:spTree>
-    <p:extLst>
-      <p:ext uri="{BB962C8B-B14F-4D97-AF65-F5344CB8AC3E}">
-        <p14:creationId xmlns:p14="http://schemas.microsoft.com/office/powerpoint/2010/main" val="1757045538"/>
-      </p:ext>
-    </p:extLst>
-  </p:cSld>
-  <p:clrMapOvr>
-    <a:masterClrMapping/>
-  </p:clrMapOvr>
-</p:sld>
-</file>
-
-<file path=ppt/slides/slide23.xml><?xml version="1.0" encoding="utf-8"?>
-<p:sld xmlns:a="http://schemas.openxmlformats.org/drawingml/2006/main" xmlns:r="http://schemas.openxmlformats.org/officeDocument/2006/relationships" xmlns:p="http://schemas.openxmlformats.org/presentationml/2006/main">
-  <p:cSld>
-    <p:spTree>
-      <p:nvGrpSpPr>
-        <p:cNvPr id="1" name=""/>
-        <p:cNvGrpSpPr/>
-        <p:nvPr/>
-      </p:nvGrpSpPr>
-      <p:grpSpPr>
-        <a:xfrm>
-          <a:off x="0" y="0"/>
-          <a:ext cx="0" cy="0"/>
-          <a:chOff x="0" y="0"/>
-          <a:chExt cx="0" cy="0"/>
-        </a:xfrm>
-      </p:grpSpPr>
-      <p:sp>
-        <p:nvSpPr>
-          <p:cNvPr id="8" name="Espaço Reservado para Texto 7"/>
-          <p:cNvSpPr>
-            <a:spLocks noGrp="1"/>
-          </p:cNvSpPr>
-          <p:nvPr>
-            <p:ph type="body" idx="1"/>
-          </p:nvPr>
-        </p:nvSpPr>
-        <p:spPr/>
-        <p:txBody>
-          <a:bodyPr/>
-          <a:lstStyle/>
-          <a:p>
-            <a:r>
-              <a:rPr lang="pt-BR" dirty="0" smtClean="0"/>
-              <a:t>Apresentação Banca de Proposta</a:t>
-            </a:r>
-          </a:p>
-        </p:txBody>
-      </p:sp>
-      <p:sp>
-        <p:nvSpPr>
-          <p:cNvPr id="9" name="Espaço Reservado para Texto 8"/>
-          <p:cNvSpPr>
-            <a:spLocks noGrp="1"/>
-          </p:cNvSpPr>
-          <p:nvPr>
-            <p:ph type="body" sz="quarter" idx="13"/>
-          </p:nvPr>
-        </p:nvSpPr>
-        <p:spPr>
-          <a:xfrm>
-            <a:off x="571472" y="2643182"/>
-            <a:ext cx="8280920" cy="4214818"/>
-          </a:xfrm>
-        </p:spPr>
-        <p:txBody>
-          <a:bodyPr>
-            <a:normAutofit/>
-          </a:bodyPr>
-          <a:lstStyle/>
-          <a:p>
-            <a:r>
-              <a:rPr lang="pt-BR" b="1" dirty="0" smtClean="0"/>
-              <a:t>Escopo do Projeto</a:t>
-            </a:r>
-          </a:p>
-          <a:p>
-            <a:r>
-              <a:rPr lang="pt-BR" b="1" dirty="0" smtClean="0"/>
-              <a:t>Macro Fluxo do Negócio</a:t>
-            </a:r>
-          </a:p>
-          <a:p>
-            <a:r>
-              <a:rPr lang="pt-BR" b="1" dirty="0" smtClean="0"/>
-              <a:t>Requisitos Funcionais</a:t>
-            </a:r>
-          </a:p>
-          <a:p>
-            <a:r>
-              <a:rPr lang="pt-BR" b="1" dirty="0" smtClean="0"/>
-              <a:t>Requisitos Não Funcionais</a:t>
-            </a:r>
-          </a:p>
-          <a:p>
-            <a:r>
-              <a:rPr lang="pt-BR" b="1" dirty="0" smtClean="0"/>
-              <a:t>Análise de Mercado</a:t>
-            </a:r>
-          </a:p>
-          <a:p>
-            <a:r>
-              <a:rPr lang="pt-BR" b="1" dirty="0" smtClean="0"/>
-              <a:t>Vantagens competitivas</a:t>
-            </a:r>
-          </a:p>
-          <a:p>
-            <a:r>
-              <a:rPr lang="pt-BR" b="1" dirty="0" smtClean="0">
-                <a:solidFill>
-                  <a:schemeClr val="accent3">
-                    <a:lumMod val="50000"/>
-                  </a:schemeClr>
-                </a:solidFill>
-              </a:rPr>
-              <a:t>Modelo de Dados Conceitual</a:t>
-            </a:r>
-          </a:p>
-        </p:txBody>
-      </p:sp>
-      <p:sp>
-        <p:nvSpPr>
-          <p:cNvPr id="7" name="Título 6"/>
-          <p:cNvSpPr>
-            <a:spLocks noGrp="1"/>
-          </p:cNvSpPr>
-          <p:nvPr>
-            <p:ph type="title"/>
-          </p:nvPr>
-        </p:nvSpPr>
-        <p:spPr/>
-        <p:txBody>
-          <a:bodyPr>
-            <a:normAutofit/>
-          </a:bodyPr>
-          <a:lstStyle/>
-          <a:p>
-            <a:r>
-              <a:rPr lang="pt-BR" dirty="0" smtClean="0"/>
-              <a:t>Agenda</a:t>
-            </a:r>
-            <a:endParaRPr lang="pt-BR" dirty="0"/>
-          </a:p>
-        </p:txBody>
-      </p:sp>
-    </p:spTree>
-  </p:cSld>
-  <p:clrMapOvr>
-    <a:masterClrMapping/>
-  </p:clrMapOvr>
-  <p:timing>
-    <p:tnLst>
-      <p:par>
-        <p:cTn id="1" dur="indefinite" restart="never" nodeType="tmRoot"/>
-      </p:par>
-    </p:tnLst>
-  </p:timing>
-</p:sld>
-</file>
-
-<file path=ppt/slides/slide24.xml><?xml version="1.0" encoding="utf-8"?>
-<p:sld xmlns:a="http://schemas.openxmlformats.org/drawingml/2006/main" xmlns:r="http://schemas.openxmlformats.org/officeDocument/2006/relationships" xmlns:p="http://schemas.openxmlformats.org/presentationml/2006/main">
-  <p:cSld>
-    <p:spTree>
-      <p:nvGrpSpPr>
-        <p:cNvPr id="1" name=""/>
-        <p:cNvGrpSpPr/>
-        <p:nvPr/>
-      </p:nvGrpSpPr>
-      <p:grpSpPr>
-        <a:xfrm>
-          <a:off x="0" y="0"/>
-          <a:ext cx="0" cy="0"/>
-          <a:chOff x="0" y="0"/>
-          <a:chExt cx="0" cy="0"/>
-        </a:xfrm>
-      </p:grpSpPr>
-      <p:sp>
-        <p:nvSpPr>
           <p:cNvPr id="2" name="Título 1"/>
           <p:cNvSpPr>
             <a:spLocks noGrp="1"/>
@@ -4751,7 +4524,7 @@
                 <a:latin typeface="Corbel" pitchFamily="34" charset="0"/>
               </a:rPr>
               <a:pPr algn="r"/>
-              <a:t>24</a:t>
+              <a:t>22</a:t>
             </a:fld>
             <a:endParaRPr lang="pt-BR" sz="1200" b="1" dirty="0">
               <a:solidFill>
@@ -4807,7 +4580,7 @@
 </p:sld>
 </file>
 
-<file path=ppt/slides/slide25.xml><?xml version="1.0" encoding="utf-8"?>
+<file path=ppt/slides/slide23.xml><?xml version="1.0" encoding="utf-8"?>
 <p:sld xmlns:a="http://schemas.openxmlformats.org/drawingml/2006/main" xmlns:r="http://schemas.openxmlformats.org/officeDocument/2006/relationships" xmlns:p="http://schemas.openxmlformats.org/presentationml/2006/main">
   <p:cSld>
     <p:spTree>
@@ -4842,14 +4615,14 @@
             <a:pPr algn="r"/>
             <a:r>
               <a:rPr lang="en-US" dirty="0" smtClean="0"/>
-              <a:t>emailAluno1</a:t>
+              <a:t>vandrius1@gmail.com</a:t>
             </a:r>
           </a:p>
           <a:p>
             <a:pPr algn="r"/>
             <a:r>
-              <a:rPr lang="pt-BR" dirty="0" smtClean="0"/>
-              <a:t>emailAluno2</a:t>
+              <a:rPr lang="pt-BR" smtClean="0"/>
+              <a:t>Vinicius.souza1210@gmail.com</a:t>
             </a:r>
             <a:endParaRPr lang="en-US" dirty="0"/>
           </a:p>
@@ -4921,7 +4694,7 @@
                 <a:latin typeface="Corbel" pitchFamily="34" charset="0"/>
               </a:rPr>
               <a:pPr algn="r"/>
-              <a:t>25</a:t>
+              <a:t>23</a:t>
             </a:fld>
             <a:endParaRPr lang="pt-BR" sz="1200" b="1" dirty="0">
               <a:solidFill>
@@ -4977,7 +4750,12 @@
             <p:ph idx="1"/>
           </p:nvPr>
         </p:nvSpPr>
-        <p:spPr/>
+        <p:spPr>
+          <a:xfrm>
+            <a:off x="323528" y="1844824"/>
+            <a:ext cx="8568952" cy="3456384"/>
+          </a:xfrm>
+        </p:spPr>
         <p:txBody>
           <a:bodyPr>
             <a:noAutofit/>
@@ -4986,72 +4764,31 @@
           <a:p>
             <a:pPr lvl="1"/>
             <a:r>
-              <a:rPr lang="pt-BR" dirty="0" smtClean="0">
-                <a:solidFill>
-                  <a:schemeClr val="bg2">
-                    <a:lumMod val="10000"/>
-                  </a:schemeClr>
-                </a:solidFill>
-              </a:rPr>
-              <a:t>Ideia Principal: Criação de um software que auxilie a administração e a deixe de maneira clara e confiável tanto para o síndico quanto para os condôminos e realizar um maior interação entre os moradores e o administrador do condimínio.</a:t>
-            </a:r>
-            <a:endParaRPr lang="pt-BR" dirty="0" smtClean="0">
-              <a:solidFill>
-                <a:schemeClr val="bg2">
-                  <a:lumMod val="10000"/>
-                </a:schemeClr>
-              </a:solidFill>
-            </a:endParaRPr>
+              <a:rPr lang="pt-BR" dirty="0"/>
+              <a:t>Ideia Principal: Serviço para Gestão de Condominio</a:t>
+            </a:r>
           </a:p>
           <a:p>
             <a:pPr lvl="1"/>
-            <a:r>
-              <a:rPr lang="pt-BR" dirty="0" smtClean="0">
-                <a:solidFill>
-                  <a:schemeClr val="bg2">
-                    <a:lumMod val="10000"/>
-                  </a:schemeClr>
-                </a:solidFill>
-              </a:rPr>
-              <a:t>Finalidade: Gerenciamento do condomínio desde o controle de visitas até o gerenciamento das despesas do local.</a:t>
-            </a:r>
-            <a:endParaRPr lang="pt-BR" dirty="0" smtClean="0">
-              <a:solidFill>
-                <a:schemeClr val="bg2">
-                  <a:lumMod val="10000"/>
-                </a:schemeClr>
-              </a:solidFill>
-            </a:endParaRPr>
+            <a:endParaRPr lang="pt-BR" dirty="0"/>
           </a:p>
           <a:p>
             <a:pPr lvl="1"/>
             <a:r>
-              <a:rPr lang="pt-BR" dirty="0" smtClean="0">
-                <a:solidFill>
-                  <a:schemeClr val="bg2">
-                    <a:lumMod val="10000"/>
-                  </a:schemeClr>
-                </a:solidFill>
-              </a:rPr>
-              <a:t>Público </a:t>
-            </a:r>
-            <a:r>
-              <a:rPr lang="pt-BR" dirty="0" smtClean="0">
-                <a:solidFill>
-                  <a:schemeClr val="bg2">
-                    <a:lumMod val="10000"/>
-                  </a:schemeClr>
-                </a:solidFill>
-              </a:rPr>
-              <a:t>alvo: Condomínios, sejam eles conglomerados de casas ou prédios.</a:t>
-            </a:r>
-            <a:endParaRPr lang="pt-BR" dirty="0" smtClean="0">
-              <a:solidFill>
-                <a:schemeClr val="bg2">
-                  <a:lumMod val="10000"/>
-                </a:schemeClr>
-              </a:solidFill>
-            </a:endParaRPr>
+              <a:rPr lang="pt-BR" dirty="0"/>
+              <a:t>Finalidade: Proporcionar transparencia e agilizadade na administração condominial</a:t>
+            </a:r>
+          </a:p>
+          <a:p>
+            <a:pPr lvl="1"/>
+            <a:endParaRPr lang="pt-BR" dirty="0"/>
+          </a:p>
+          <a:p>
+            <a:pPr lvl="1"/>
+            <a:r>
+              <a:rPr lang="pt-BR" dirty="0"/>
+              <a:t>Público alvo: Condomínios</a:t>
+            </a:r>
           </a:p>
         </p:txBody>
       </p:sp>
@@ -5642,11 +5379,54 @@
           </a:p>
           <a:p>
             <a:pPr lvl="1"/>
-            <a:r>
-              <a:rPr lang="pt-BR" dirty="0" smtClean="0"/>
-              <a:t>Esse relatório irá representar a ideia de administração transparente mencionada anteriormente, esse relatório irá mostrar o quanto o condôminio obteve de lucro e quanto gastou em determinado período e ele será aberto a todos os moradores.</a:t>
-            </a:r>
-            <a:endParaRPr lang="pt-BR" dirty="0"/>
+            <a:endParaRPr lang="pt-BR" dirty="0" smtClean="0"/>
+          </a:p>
+          <a:p>
+            <a:pPr lvl="1"/>
+            <a:r>
+              <a:rPr lang="pt-BR" dirty="0" smtClean="0"/>
+              <a:t>Relatorio gerencial disponibilizado a todos os moradores gerando oportunidades de:</a:t>
+            </a:r>
+          </a:p>
+          <a:p>
+            <a:pPr lvl="3"/>
+            <a:endParaRPr lang="pt-BR" dirty="0" smtClean="0"/>
+          </a:p>
+          <a:p>
+            <a:pPr lvl="3"/>
+            <a:r>
+              <a:rPr lang="pt-BR" dirty="0" smtClean="0"/>
+              <a:t>Identificação das maiores despesas</a:t>
+            </a:r>
+          </a:p>
+          <a:p>
+            <a:pPr lvl="3"/>
+            <a:r>
+              <a:rPr lang="pt-BR" dirty="0" smtClean="0"/>
+              <a:t>Transparencia nos gastos</a:t>
+            </a:r>
+          </a:p>
+          <a:p>
+            <a:pPr lvl="3"/>
+            <a:r>
+              <a:rPr lang="pt-BR" dirty="0" smtClean="0"/>
+              <a:t>Taxa </a:t>
+            </a:r>
+            <a:r>
+              <a:rPr lang="pt-BR" dirty="0"/>
+              <a:t>de adimplência / </a:t>
+            </a:r>
+            <a:r>
+              <a:rPr lang="pt-BR" dirty="0" smtClean="0"/>
+              <a:t>inadimplência</a:t>
+            </a:r>
+          </a:p>
+          <a:p>
+            <a:pPr lvl="3"/>
+            <a:r>
+              <a:rPr lang="pt-BR" dirty="0" smtClean="0"/>
+              <a:t>Negociação com Fornecedores</a:t>
+            </a:r>
           </a:p>
         </p:txBody>
       </p:sp>
@@ -5707,6 +5487,13 @@
   <p:clrMapOvr>
     <a:masterClrMapping/>
   </p:clrMapOvr>
+  <p:timing>
+    <p:tnLst>
+      <p:par>
+        <p:cTn id="1" dur="indefinite" restart="never" nodeType="tmRoot"/>
+      </p:par>
+    </p:tnLst>
+  </p:timing>
 </p:sld>
 </file>
 
@@ -5748,23 +5535,51 @@
             </a:r>
             <a:r>
               <a:rPr lang="pt-BR" dirty="0"/>
-              <a:t>- </a:t>
-            </a:r>
+              <a:t>- O sistema deve gerar regras para reservar de áreas </a:t>
+            </a:r>
+            <a:r>
+              <a:rPr lang="pt-BR" dirty="0" smtClean="0"/>
+              <a:t>comuns.</a:t>
+            </a:r>
+          </a:p>
+          <a:p>
+            <a:pPr lvl="1"/>
+            <a:endParaRPr lang="pt-BR" dirty="0" smtClean="0"/>
+          </a:p>
+          <a:p>
+            <a:pPr lvl="1"/>
             <a:r>
               <a:rPr lang="pt-BR" dirty="0"/>
-              <a:t>O sistema deve gerar regras para reservar de áreas </a:t>
-            </a:r>
-            <a:r>
-              <a:rPr lang="pt-BR" dirty="0" smtClean="0"/>
-              <a:t>comuns.</a:t>
-            </a:r>
-          </a:p>
-          <a:p>
-            <a:pPr lvl="1"/>
-            <a:r>
-              <a:rPr lang="pt-BR" dirty="0" smtClean="0"/>
-              <a:t>Essa função irá determinar as politicas para reserva de áreas comuns, essas políticas apesar de serem definidas em convenção, poderão ser alteradas no programa pelo síndico.</a:t>
-            </a:r>
+              <a:t>P</a:t>
+            </a:r>
+            <a:r>
+              <a:rPr lang="pt-BR" dirty="0" smtClean="0"/>
+              <a:t>oliticas para reserva de áreas comuns</a:t>
+            </a:r>
+          </a:p>
+          <a:p>
+            <a:pPr lvl="2"/>
+            <a:r>
+              <a:rPr lang="pt-BR" dirty="0" smtClean="0"/>
+              <a:t>Baseada em periodicidade</a:t>
+            </a:r>
+          </a:p>
+          <a:p>
+            <a:pPr lvl="2"/>
+            <a:r>
+              <a:rPr lang="pt-BR" dirty="0" smtClean="0"/>
+              <a:t>Baseada em “datas especiais”</a:t>
+            </a:r>
+          </a:p>
+          <a:p>
+            <a:pPr lvl="2"/>
+            <a:r>
+              <a:rPr lang="pt-BR" dirty="0" smtClean="0"/>
+              <a:t>Baseada em adimplencia</a:t>
+            </a:r>
+          </a:p>
+          <a:p>
+            <a:pPr lvl="2"/>
             <a:endParaRPr lang="pt-BR" dirty="0"/>
           </a:p>
         </p:txBody>
@@ -5825,6 +5640,13 @@
   <p:clrMapOvr>
     <a:masterClrMapping/>
   </p:clrMapOvr>
+  <p:timing>
+    <p:tnLst>
+      <p:par>
+        <p:cTn id="1" dur="indefinite" restart="never" nodeType="tmRoot"/>
+      </p:par>
+    </p:tnLst>
+  </p:timing>
 </p:sld>
 </file>
 
@@ -5863,48 +5685,54 @@
           <a:lstStyle/>
           <a:p>
             <a:r>
-              <a:rPr lang="pt-BR" dirty="0" smtClean="0">
-                <a:solidFill>
-                  <a:schemeClr val="bg2">
-                    <a:lumMod val="10000"/>
-                  </a:schemeClr>
-                </a:solidFill>
-              </a:rPr>
-              <a:t>RF07 </a:t>
-            </a:r>
-            <a:r>
-              <a:rPr lang="pt-BR" dirty="0">
-                <a:solidFill>
-                  <a:schemeClr val="bg2">
-                    <a:lumMod val="10000"/>
-                  </a:schemeClr>
-                </a:solidFill>
-              </a:rPr>
-              <a:t>- O sistema deve manter postagens no </a:t>
-            </a:r>
-            <a:r>
-              <a:rPr lang="pt-BR" dirty="0" smtClean="0">
-                <a:solidFill>
-                  <a:schemeClr val="bg2">
-                    <a:lumMod val="10000"/>
-                  </a:schemeClr>
-                </a:solidFill>
-              </a:rPr>
-              <a:t>mural</a:t>
+              <a:rPr lang="pt-BR" dirty="0"/>
+              <a:t>RF07 - O sistema deve manter postagens no mural</a:t>
             </a:r>
           </a:p>
           <a:p>
             <a:pPr lvl="1"/>
-            <a:r>
-              <a:rPr lang="pt-BR" sz="3200" dirty="0">
-                <a:solidFill>
-                  <a:schemeClr val="bg2">
-                    <a:lumMod val="10000"/>
-                  </a:schemeClr>
-                </a:solidFill>
-              </a:rPr>
-              <a:t>Requisito se faz importante pois irá gerar a interação entre o morador e o síndico, que é um dos objetivos de nosso projeto.</a:t>
-            </a:r>
+            <a:endParaRPr lang="pt-BR" dirty="0" smtClean="0"/>
+          </a:p>
+          <a:p>
+            <a:pPr lvl="1"/>
+            <a:r>
+              <a:rPr lang="pt-BR" dirty="0" smtClean="0"/>
+              <a:t>Interação </a:t>
+            </a:r>
+            <a:r>
+              <a:rPr lang="pt-BR" dirty="0"/>
+              <a:t>entre o </a:t>
+            </a:r>
+            <a:r>
+              <a:rPr lang="pt-BR" dirty="0" smtClean="0"/>
+              <a:t>moradores/moradores e moradores e </a:t>
+            </a:r>
+            <a:r>
+              <a:rPr lang="pt-BR" dirty="0"/>
+              <a:t>o </a:t>
+            </a:r>
+            <a:r>
+              <a:rPr lang="pt-BR" dirty="0" smtClean="0"/>
+              <a:t>síndico</a:t>
+            </a:r>
+          </a:p>
+          <a:p>
+            <a:pPr lvl="2"/>
+            <a:r>
+              <a:rPr lang="pt-BR" dirty="0" smtClean="0"/>
+              <a:t>Sugestões</a:t>
+            </a:r>
+          </a:p>
+          <a:p>
+            <a:pPr lvl="2"/>
+            <a:r>
+              <a:rPr lang="pt-BR" dirty="0" smtClean="0"/>
+              <a:t>Reclamações</a:t>
+            </a:r>
+          </a:p>
+          <a:p>
+            <a:pPr lvl="2"/>
+            <a:endParaRPr lang="pt-BR" dirty="0"/>
           </a:p>
         </p:txBody>
       </p:sp>
